--- a/regression/folds.pptx
+++ b/regression/folds.pptx
@@ -5,12 +5,10 @@
     <p:sldMasterId id="2147483648" r:id="rId1"/>
   </p:sldMasterIdLst>
   <p:notesMasterIdLst>
-    <p:notesMasterId r:id="rId5"/>
+    <p:notesMasterId r:id="rId3"/>
   </p:notesMasterIdLst>
   <p:sldIdLst>
-    <p:sldId id="256" r:id="rId2"/>
-    <p:sldId id="257" r:id="rId3"/>
-    <p:sldId id="258" r:id="rId4"/>
+    <p:sldId id="258" r:id="rId2"/>
   </p:sldIdLst>
   <p:sldSz cx="12192000" cy="6858000"/>
   <p:notesSz cx="6858000" cy="9144000"/>
@@ -199,7 +197,7 @@
           <a:p>
             <a:fld id="{6E01F1D7-010C-8349-A049-CE1549F64073}" type="datetimeFigureOut">
               <a:rPr lang="nl-NL" smtClean="0"/>
-              <a:t>20-05-2022</a:t>
+              <a:t>21-05-2022</a:t>
             </a:fld>
             <a:endParaRPr lang="nl-NL"/>
           </a:p>
@@ -466,90 +464,6 @@
 </p:notesMaster>
 </file>
 
-<file path=ppt/notesSlides/notesSlide1.xml><?xml version="1.0" encoding="utf-8"?>
-<p:notes xmlns:a="http://schemas.openxmlformats.org/drawingml/2006/main" xmlns:r="http://schemas.openxmlformats.org/officeDocument/2006/relationships" xmlns:p="http://schemas.openxmlformats.org/presentationml/2006/main">
-  <p:cSld>
-    <p:spTree>
-      <p:nvGrpSpPr>
-        <p:cNvPr id="1" name=""/>
-        <p:cNvGrpSpPr/>
-        <p:nvPr/>
-      </p:nvGrpSpPr>
-      <p:grpSpPr>
-        <a:xfrm>
-          <a:off x="0" y="0"/>
-          <a:ext cx="0" cy="0"/>
-          <a:chOff x="0" y="0"/>
-          <a:chExt cx="0" cy="0"/>
-        </a:xfrm>
-      </p:grpSpPr>
-      <p:sp>
-        <p:nvSpPr>
-          <p:cNvPr id="2" name="Tijdelijke aanduiding voor dia-afbeelding 1"/>
-          <p:cNvSpPr>
-            <a:spLocks noGrp="1" noRot="1" noChangeAspect="1"/>
-          </p:cNvSpPr>
-          <p:nvPr>
-            <p:ph type="sldImg"/>
-          </p:nvPr>
-        </p:nvSpPr>
-        <p:spPr/>
-      </p:sp>
-      <p:sp>
-        <p:nvSpPr>
-          <p:cNvPr id="3" name="Tijdelijke aanduiding voor notities 2"/>
-          <p:cNvSpPr>
-            <a:spLocks noGrp="1"/>
-          </p:cNvSpPr>
-          <p:nvPr>
-            <p:ph type="body" idx="1"/>
-          </p:nvPr>
-        </p:nvSpPr>
-        <p:spPr/>
-        <p:txBody>
-          <a:bodyPr/>
-          <a:lstStyle/>
-          <a:p>
-            <a:endParaRPr lang="nl-NL" dirty="0"/>
-          </a:p>
-        </p:txBody>
-      </p:sp>
-      <p:sp>
-        <p:nvSpPr>
-          <p:cNvPr id="4" name="Tijdelijke aanduiding voor dianummer 3"/>
-          <p:cNvSpPr>
-            <a:spLocks noGrp="1"/>
-          </p:cNvSpPr>
-          <p:nvPr>
-            <p:ph type="sldNum" sz="quarter" idx="5"/>
-          </p:nvPr>
-        </p:nvSpPr>
-        <p:spPr/>
-        <p:txBody>
-          <a:bodyPr/>
-          <a:lstStyle/>
-          <a:p>
-            <a:fld id="{E605062C-8256-C243-814E-8FB0A7C1E75A}" type="slidenum">
-              <a:rPr lang="nl-NL" smtClean="0"/>
-              <a:t>1</a:t>
-            </a:fld>
-            <a:endParaRPr lang="nl-NL"/>
-          </a:p>
-        </p:txBody>
-      </p:sp>
-    </p:spTree>
-    <p:extLst>
-      <p:ext uri="{BB962C8B-B14F-4D97-AF65-F5344CB8AC3E}">
-        <p14:creationId xmlns:p14="http://schemas.microsoft.com/office/powerpoint/2010/main" val="2838545122"/>
-      </p:ext>
-    </p:extLst>
-  </p:cSld>
-  <p:clrMapOvr>
-    <a:masterClrMapping/>
-  </p:clrMapOvr>
-</p:notes>
-</file>
-
 <file path=ppt/slideLayouts/slideLayout1.xml><?xml version="1.0" encoding="utf-8"?>
 <p:sldLayout xmlns:a="http://schemas.openxmlformats.org/drawingml/2006/main" xmlns:r="http://schemas.openxmlformats.org/officeDocument/2006/relationships" xmlns:p="http://schemas.openxmlformats.org/presentationml/2006/main" type="title" preserve="1">
   <p:cSld name="Titeldia">
@@ -697,7 +611,7 @@
           <a:p>
             <a:fld id="{39D85319-B16A-5946-A810-413ABB144C58}" type="datetimeFigureOut">
               <a:rPr lang="nl-NL" smtClean="0"/>
-              <a:t>20-05-2022</a:t>
+              <a:t>21-05-2022</a:t>
             </a:fld>
             <a:endParaRPr lang="nl-NL"/>
           </a:p>
@@ -895,7 +809,7 @@
           <a:p>
             <a:fld id="{39D85319-B16A-5946-A810-413ABB144C58}" type="datetimeFigureOut">
               <a:rPr lang="nl-NL" smtClean="0"/>
-              <a:t>20-05-2022</a:t>
+              <a:t>21-05-2022</a:t>
             </a:fld>
             <a:endParaRPr lang="nl-NL"/>
           </a:p>
@@ -1103,7 +1017,7 @@
           <a:p>
             <a:fld id="{39D85319-B16A-5946-A810-413ABB144C58}" type="datetimeFigureOut">
               <a:rPr lang="nl-NL" smtClean="0"/>
-              <a:t>20-05-2022</a:t>
+              <a:t>21-05-2022</a:t>
             </a:fld>
             <a:endParaRPr lang="nl-NL"/>
           </a:p>
@@ -1301,7 +1215,7 @@
           <a:p>
             <a:fld id="{39D85319-B16A-5946-A810-413ABB144C58}" type="datetimeFigureOut">
               <a:rPr lang="nl-NL" smtClean="0"/>
-              <a:t>20-05-2022</a:t>
+              <a:t>21-05-2022</a:t>
             </a:fld>
             <a:endParaRPr lang="nl-NL"/>
           </a:p>
@@ -1576,7 +1490,7 @@
           <a:p>
             <a:fld id="{39D85319-B16A-5946-A810-413ABB144C58}" type="datetimeFigureOut">
               <a:rPr lang="nl-NL" smtClean="0"/>
-              <a:t>20-05-2022</a:t>
+              <a:t>21-05-2022</a:t>
             </a:fld>
             <a:endParaRPr lang="nl-NL"/>
           </a:p>
@@ -1841,7 +1755,7 @@
           <a:p>
             <a:fld id="{39D85319-B16A-5946-A810-413ABB144C58}" type="datetimeFigureOut">
               <a:rPr lang="nl-NL" smtClean="0"/>
-              <a:t>20-05-2022</a:t>
+              <a:t>21-05-2022</a:t>
             </a:fld>
             <a:endParaRPr lang="nl-NL"/>
           </a:p>
@@ -2253,7 +2167,7 @@
           <a:p>
             <a:fld id="{39D85319-B16A-5946-A810-413ABB144C58}" type="datetimeFigureOut">
               <a:rPr lang="nl-NL" smtClean="0"/>
-              <a:t>20-05-2022</a:t>
+              <a:t>21-05-2022</a:t>
             </a:fld>
             <a:endParaRPr lang="nl-NL"/>
           </a:p>
@@ -2394,7 +2308,7 @@
           <a:p>
             <a:fld id="{39D85319-B16A-5946-A810-413ABB144C58}" type="datetimeFigureOut">
               <a:rPr lang="nl-NL" smtClean="0"/>
-              <a:t>20-05-2022</a:t>
+              <a:t>21-05-2022</a:t>
             </a:fld>
             <a:endParaRPr lang="nl-NL"/>
           </a:p>
@@ -2507,7 +2421,7 @@
           <a:p>
             <a:fld id="{39D85319-B16A-5946-A810-413ABB144C58}" type="datetimeFigureOut">
               <a:rPr lang="nl-NL" smtClean="0"/>
-              <a:t>20-05-2022</a:t>
+              <a:t>21-05-2022</a:t>
             </a:fld>
             <a:endParaRPr lang="nl-NL"/>
           </a:p>
@@ -2818,7 +2732,7 @@
           <a:p>
             <a:fld id="{39D85319-B16A-5946-A810-413ABB144C58}" type="datetimeFigureOut">
               <a:rPr lang="nl-NL" smtClean="0"/>
-              <a:t>20-05-2022</a:t>
+              <a:t>21-05-2022</a:t>
             </a:fld>
             <a:endParaRPr lang="nl-NL"/>
           </a:p>
@@ -3106,7 +3020,7 @@
           <a:p>
             <a:fld id="{39D85319-B16A-5946-A810-413ABB144C58}" type="datetimeFigureOut">
               <a:rPr lang="nl-NL" smtClean="0"/>
-              <a:t>20-05-2022</a:t>
+              <a:t>21-05-2022</a:t>
             </a:fld>
             <a:endParaRPr lang="nl-NL"/>
           </a:p>
@@ -3347,7 +3261,7 @@
           <a:p>
             <a:fld id="{39D85319-B16A-5946-A810-413ABB144C58}" type="datetimeFigureOut">
               <a:rPr lang="nl-NL" smtClean="0"/>
-              <a:t>20-05-2022</a:t>
+              <a:t>21-05-2022</a:t>
             </a:fld>
             <a:endParaRPr lang="nl-NL"/>
           </a:p>
@@ -3748,2835 +3662,6 @@
 </file>
 
 <file path=ppt/slides/slide1.xml><?xml version="1.0" encoding="utf-8"?>
-<p:sld xmlns:a="http://schemas.openxmlformats.org/drawingml/2006/main" xmlns:r="http://schemas.openxmlformats.org/officeDocument/2006/relationships" xmlns:p="http://schemas.openxmlformats.org/presentationml/2006/main">
-  <p:cSld>
-    <p:spTree>
-      <p:nvGrpSpPr>
-        <p:cNvPr id="1" name=""/>
-        <p:cNvGrpSpPr/>
-        <p:nvPr/>
-      </p:nvGrpSpPr>
-      <p:grpSpPr>
-        <a:xfrm>
-          <a:off x="0" y="0"/>
-          <a:ext cx="0" cy="0"/>
-          <a:chOff x="0" y="0"/>
-          <a:chExt cx="0" cy="0"/>
-        </a:xfrm>
-      </p:grpSpPr>
-      <p:sp>
-        <p:nvSpPr>
-          <p:cNvPr id="52" name="Rechthoek 51">
-            <a:extLst>
-              <a:ext uri="{FF2B5EF4-FFF2-40B4-BE49-F238E27FC236}">
-                <a16:creationId xmlns:a16="http://schemas.microsoft.com/office/drawing/2014/main" id="{E17CAC05-FBC5-434C-B89E-BA3CA3FE3463}"/>
-              </a:ext>
-            </a:extLst>
-          </p:cNvPr>
-          <p:cNvSpPr/>
-          <p:nvPr/>
-        </p:nvSpPr>
-        <p:spPr>
-          <a:xfrm>
-            <a:off x="8765910" y="217606"/>
-            <a:ext cx="1800000" cy="1080000"/>
-          </a:xfrm>
-          <a:prstGeom prst="rect">
-            <a:avLst/>
-          </a:prstGeom>
-          <a:solidFill>
-            <a:schemeClr val="tx1"/>
-          </a:solidFill>
-          <a:ln>
-            <a:solidFill>
-              <a:schemeClr val="bg2">
-                <a:lumMod val="75000"/>
-              </a:schemeClr>
-            </a:solidFill>
-          </a:ln>
-        </p:spPr>
-        <p:style>
-          <a:lnRef idx="2">
-            <a:schemeClr val="accent1">
-              <a:shade val="50000"/>
-            </a:schemeClr>
-          </a:lnRef>
-          <a:fillRef idx="1">
-            <a:schemeClr val="accent1"/>
-          </a:fillRef>
-          <a:effectRef idx="0">
-            <a:schemeClr val="accent1"/>
-          </a:effectRef>
-          <a:fontRef idx="minor">
-            <a:schemeClr val="lt1"/>
-          </a:fontRef>
-        </p:style>
-        <p:txBody>
-          <a:bodyPr rtlCol="0" anchor="ctr"/>
-          <a:lstStyle/>
-          <a:p>
-            <a:pPr algn="ctr"/>
-            <a:endParaRPr lang="nl-NL"/>
-          </a:p>
-        </p:txBody>
-      </p:sp>
-      <p:sp>
-        <p:nvSpPr>
-          <p:cNvPr id="4" name="Rechthoek 3">
-            <a:extLst>
-              <a:ext uri="{FF2B5EF4-FFF2-40B4-BE49-F238E27FC236}">
-                <a16:creationId xmlns:a16="http://schemas.microsoft.com/office/drawing/2014/main" id="{1FE09845-CBF1-73C4-6A4E-D33D752762AF}"/>
-              </a:ext>
-            </a:extLst>
-          </p:cNvPr>
-          <p:cNvSpPr/>
-          <p:nvPr/>
-        </p:nvSpPr>
-        <p:spPr>
-          <a:xfrm>
-            <a:off x="3005910" y="1468890"/>
-            <a:ext cx="5760000" cy="1080000"/>
-          </a:xfrm>
-          <a:prstGeom prst="rect">
-            <a:avLst/>
-          </a:prstGeom>
-          <a:noFill/>
-          <a:ln>
-            <a:solidFill>
-              <a:schemeClr val="bg2">
-                <a:lumMod val="75000"/>
-              </a:schemeClr>
-            </a:solidFill>
-          </a:ln>
-        </p:spPr>
-        <p:style>
-          <a:lnRef idx="2">
-            <a:schemeClr val="accent1">
-              <a:shade val="50000"/>
-            </a:schemeClr>
-          </a:lnRef>
-          <a:fillRef idx="1">
-            <a:schemeClr val="accent1"/>
-          </a:fillRef>
-          <a:effectRef idx="0">
-            <a:schemeClr val="accent1"/>
-          </a:effectRef>
-          <a:fontRef idx="minor">
-            <a:schemeClr val="lt1"/>
-          </a:fontRef>
-        </p:style>
-        <p:txBody>
-          <a:bodyPr rtlCol="0" anchor="ctr"/>
-          <a:lstStyle/>
-          <a:p>
-            <a:pPr algn="ctr"/>
-            <a:endParaRPr lang="nl-NL"/>
-          </a:p>
-        </p:txBody>
-      </p:sp>
-      <p:sp>
-        <p:nvSpPr>
-          <p:cNvPr id="21" name="Rechthoek 20">
-            <a:extLst>
-              <a:ext uri="{FF2B5EF4-FFF2-40B4-BE49-F238E27FC236}">
-                <a16:creationId xmlns:a16="http://schemas.microsoft.com/office/drawing/2014/main" id="{8DCAFF33-C7A4-D694-E789-184386650264}"/>
-              </a:ext>
-            </a:extLst>
-          </p:cNvPr>
-          <p:cNvSpPr/>
-          <p:nvPr/>
-        </p:nvSpPr>
-        <p:spPr>
-          <a:xfrm>
-            <a:off x="1565910" y="1468890"/>
-            <a:ext cx="1440000" cy="1080000"/>
-          </a:xfrm>
-          <a:prstGeom prst="rect">
-            <a:avLst/>
-          </a:prstGeom>
-          <a:solidFill>
-            <a:schemeClr val="tx1"/>
-          </a:solidFill>
-          <a:ln>
-            <a:solidFill>
-              <a:schemeClr val="bg2">
-                <a:lumMod val="75000"/>
-              </a:schemeClr>
-            </a:solidFill>
-          </a:ln>
-        </p:spPr>
-        <p:style>
-          <a:lnRef idx="2">
-            <a:schemeClr val="accent1">
-              <a:shade val="50000"/>
-            </a:schemeClr>
-          </a:lnRef>
-          <a:fillRef idx="1">
-            <a:schemeClr val="accent1"/>
-          </a:fillRef>
-          <a:effectRef idx="0">
-            <a:schemeClr val="accent1"/>
-          </a:effectRef>
-          <a:fontRef idx="minor">
-            <a:schemeClr val="lt1"/>
-          </a:fontRef>
-        </p:style>
-        <p:txBody>
-          <a:bodyPr rtlCol="0" anchor="ctr"/>
-          <a:lstStyle/>
-          <a:p>
-            <a:pPr algn="ctr"/>
-            <a:endParaRPr lang="nl-NL"/>
-          </a:p>
-        </p:txBody>
-      </p:sp>
-      <p:sp>
-        <p:nvSpPr>
-          <p:cNvPr id="22" name="Tekstvak 21">
-            <a:extLst>
-              <a:ext uri="{FF2B5EF4-FFF2-40B4-BE49-F238E27FC236}">
-                <a16:creationId xmlns:a16="http://schemas.microsoft.com/office/drawing/2014/main" id="{7F20A534-9E91-A732-7CDB-2F6BA68934B2}"/>
-              </a:ext>
-            </a:extLst>
-          </p:cNvPr>
-          <p:cNvSpPr txBox="1"/>
-          <p:nvPr/>
-        </p:nvSpPr>
-        <p:spPr>
-          <a:xfrm>
-            <a:off x="4446090" y="537542"/>
-            <a:ext cx="925830" cy="369332"/>
-          </a:xfrm>
-          <a:prstGeom prst="rect">
-            <a:avLst/>
-          </a:prstGeom>
-          <a:noFill/>
-        </p:spPr>
-        <p:txBody>
-          <a:bodyPr wrap="square" rtlCol="0">
-            <a:spAutoFit/>
-          </a:bodyPr>
-          <a:lstStyle/>
-          <a:p>
-            <a:r>
-              <a:rPr lang="nl-NL" dirty="0">
-                <a:latin typeface="Arial" panose="020B0604020202020204" pitchFamily="34" charset="0"/>
-                <a:cs typeface="Arial" panose="020B0604020202020204" pitchFamily="34" charset="0"/>
-              </a:rPr>
-              <a:t>TRAIN</a:t>
-            </a:r>
-          </a:p>
-        </p:txBody>
-      </p:sp>
-      <p:sp>
-        <p:nvSpPr>
-          <p:cNvPr id="23" name="Tekstvak 22">
-            <a:extLst>
-              <a:ext uri="{FF2B5EF4-FFF2-40B4-BE49-F238E27FC236}">
-                <a16:creationId xmlns:a16="http://schemas.microsoft.com/office/drawing/2014/main" id="{3DDD3BF6-1BAA-7EE3-FBFD-9A0B97A82A29}"/>
-              </a:ext>
-            </a:extLst>
-          </p:cNvPr>
-          <p:cNvSpPr txBox="1"/>
-          <p:nvPr/>
-        </p:nvSpPr>
-        <p:spPr>
-          <a:xfrm>
-            <a:off x="9339526" y="552704"/>
-            <a:ext cx="925830" cy="369332"/>
-          </a:xfrm>
-          <a:prstGeom prst="rect">
-            <a:avLst/>
-          </a:prstGeom>
-          <a:noFill/>
-        </p:spPr>
-        <p:txBody>
-          <a:bodyPr wrap="square" rtlCol="0">
-            <a:spAutoFit/>
-          </a:bodyPr>
-          <a:lstStyle/>
-          <a:p>
-            <a:r>
-              <a:rPr lang="nl-NL" dirty="0">
-                <a:solidFill>
-                  <a:schemeClr val="bg1"/>
-                </a:solidFill>
-                <a:latin typeface="Arial" panose="020B0604020202020204" pitchFamily="34" charset="0"/>
-                <a:cs typeface="Arial" panose="020B0604020202020204" pitchFamily="34" charset="0"/>
-              </a:rPr>
-              <a:t>TEST</a:t>
-            </a:r>
-          </a:p>
-        </p:txBody>
-      </p:sp>
-      <p:sp>
-        <p:nvSpPr>
-          <p:cNvPr id="27" name="Tekstvak 26">
-            <a:extLst>
-              <a:ext uri="{FF2B5EF4-FFF2-40B4-BE49-F238E27FC236}">
-                <a16:creationId xmlns:a16="http://schemas.microsoft.com/office/drawing/2014/main" id="{E6F760EA-B18D-AC0D-88CB-2FE6EF7FDB2E}"/>
-              </a:ext>
-            </a:extLst>
-          </p:cNvPr>
-          <p:cNvSpPr txBox="1"/>
-          <p:nvPr/>
-        </p:nvSpPr>
-        <p:spPr>
-          <a:xfrm>
-            <a:off x="1725840" y="1685724"/>
-            <a:ext cx="1120140" cy="646331"/>
-          </a:xfrm>
-          <a:prstGeom prst="rect">
-            <a:avLst/>
-          </a:prstGeom>
-          <a:noFill/>
-        </p:spPr>
-        <p:txBody>
-          <a:bodyPr wrap="square" rtlCol="0">
-            <a:spAutoFit/>
-          </a:bodyPr>
-          <a:lstStyle/>
-          <a:p>
-            <a:pPr algn="ctr"/>
-            <a:r>
-              <a:rPr lang="nl-NL" dirty="0">
-                <a:solidFill>
-                  <a:schemeClr val="bg1"/>
-                </a:solidFill>
-                <a:latin typeface="Arial" panose="020B0604020202020204" pitchFamily="34" charset="0"/>
-                <a:cs typeface="Arial" panose="020B0604020202020204" pitchFamily="34" charset="0"/>
-              </a:rPr>
-              <a:t>F1 </a:t>
-            </a:r>
-          </a:p>
-          <a:p>
-            <a:pPr algn="ctr"/>
-            <a:r>
-              <a:rPr lang="nl-NL" dirty="0">
-                <a:solidFill>
-                  <a:schemeClr val="bg1"/>
-                </a:solidFill>
-                <a:latin typeface="Arial" panose="020B0604020202020204" pitchFamily="34" charset="0"/>
-                <a:cs typeface="Arial" panose="020B0604020202020204" pitchFamily="34" charset="0"/>
-              </a:rPr>
-              <a:t>TEST</a:t>
-            </a:r>
-          </a:p>
-        </p:txBody>
-      </p:sp>
-      <p:sp>
-        <p:nvSpPr>
-          <p:cNvPr id="32" name="Tekstvak 31">
-            <a:extLst>
-              <a:ext uri="{FF2B5EF4-FFF2-40B4-BE49-F238E27FC236}">
-                <a16:creationId xmlns:a16="http://schemas.microsoft.com/office/drawing/2014/main" id="{F07F263A-19D3-41D3-128E-872356C3A4FF}"/>
-              </a:ext>
-            </a:extLst>
-          </p:cNvPr>
-          <p:cNvSpPr txBox="1"/>
-          <p:nvPr/>
-        </p:nvSpPr>
-        <p:spPr>
-          <a:xfrm>
-            <a:off x="240120" y="1808834"/>
-            <a:ext cx="1120140" cy="400110"/>
-          </a:xfrm>
-          <a:prstGeom prst="rect">
-            <a:avLst/>
-          </a:prstGeom>
-          <a:noFill/>
-        </p:spPr>
-        <p:txBody>
-          <a:bodyPr wrap="square" rtlCol="0">
-            <a:spAutoFit/>
-          </a:bodyPr>
-          <a:lstStyle/>
-          <a:p>
-            <a:pPr algn="ctr"/>
-            <a:r>
-              <a:rPr lang="nl-NL" sz="1000" dirty="0">
-                <a:latin typeface="Arial" panose="020B0604020202020204" pitchFamily="34" charset="0"/>
-                <a:cs typeface="Arial" panose="020B0604020202020204" pitchFamily="34" charset="0"/>
-              </a:rPr>
-              <a:t>DATA EXPLORATION</a:t>
-            </a:r>
-          </a:p>
-        </p:txBody>
-      </p:sp>
-      <p:sp>
-        <p:nvSpPr>
-          <p:cNvPr id="33" name="Tekstvak 32">
-            <a:extLst>
-              <a:ext uri="{FF2B5EF4-FFF2-40B4-BE49-F238E27FC236}">
-                <a16:creationId xmlns:a16="http://schemas.microsoft.com/office/drawing/2014/main" id="{CFB407A9-DA65-1F9E-E159-E5C9811C9017}"/>
-              </a:ext>
-            </a:extLst>
-          </p:cNvPr>
-          <p:cNvSpPr txBox="1"/>
-          <p:nvPr/>
-        </p:nvSpPr>
-        <p:spPr>
-          <a:xfrm>
-            <a:off x="240120" y="3429000"/>
-            <a:ext cx="1120140" cy="246221"/>
-          </a:xfrm>
-          <a:prstGeom prst="rect">
-            <a:avLst/>
-          </a:prstGeom>
-          <a:noFill/>
-        </p:spPr>
-        <p:txBody>
-          <a:bodyPr wrap="square" rtlCol="0">
-            <a:spAutoFit/>
-          </a:bodyPr>
-          <a:lstStyle/>
-          <a:p>
-            <a:pPr algn="ctr"/>
-            <a:r>
-              <a:rPr lang="nl-NL" sz="1000" dirty="0">
-                <a:latin typeface="Arial" panose="020B0604020202020204" pitchFamily="34" charset="0"/>
-                <a:cs typeface="Arial" panose="020B0604020202020204" pitchFamily="34" charset="0"/>
-              </a:rPr>
-              <a:t>M1</a:t>
-            </a:r>
-          </a:p>
-        </p:txBody>
-      </p:sp>
-      <p:sp>
-        <p:nvSpPr>
-          <p:cNvPr id="40" name="Rechthoek 39">
-            <a:extLst>
-              <a:ext uri="{FF2B5EF4-FFF2-40B4-BE49-F238E27FC236}">
-                <a16:creationId xmlns:a16="http://schemas.microsoft.com/office/drawing/2014/main" id="{3BC55298-3D86-677A-BEDD-F861F0FCAAC4}"/>
-              </a:ext>
-            </a:extLst>
-          </p:cNvPr>
-          <p:cNvSpPr/>
-          <p:nvPr/>
-        </p:nvSpPr>
-        <p:spPr>
-          <a:xfrm>
-            <a:off x="1565910" y="2863350"/>
-            <a:ext cx="7200000" cy="1080000"/>
-          </a:xfrm>
-          <a:prstGeom prst="rect">
-            <a:avLst/>
-          </a:prstGeom>
-          <a:noFill/>
-          <a:ln>
-            <a:solidFill>
-              <a:schemeClr val="bg2">
-                <a:lumMod val="75000"/>
-              </a:schemeClr>
-            </a:solidFill>
-          </a:ln>
-        </p:spPr>
-        <p:style>
-          <a:lnRef idx="2">
-            <a:schemeClr val="accent1">
-              <a:shade val="50000"/>
-            </a:schemeClr>
-          </a:lnRef>
-          <a:fillRef idx="1">
-            <a:schemeClr val="accent1"/>
-          </a:fillRef>
-          <a:effectRef idx="0">
-            <a:schemeClr val="accent1"/>
-          </a:effectRef>
-          <a:fontRef idx="minor">
-            <a:schemeClr val="lt1"/>
-          </a:fontRef>
-        </p:style>
-        <p:txBody>
-          <a:bodyPr rtlCol="0" anchor="ctr"/>
-          <a:lstStyle/>
-          <a:p>
-            <a:pPr algn="ctr"/>
-            <a:endParaRPr lang="nl-NL"/>
-          </a:p>
-        </p:txBody>
-      </p:sp>
-      <p:sp>
-        <p:nvSpPr>
-          <p:cNvPr id="41" name="Rechthoek 40">
-            <a:extLst>
-              <a:ext uri="{FF2B5EF4-FFF2-40B4-BE49-F238E27FC236}">
-                <a16:creationId xmlns:a16="http://schemas.microsoft.com/office/drawing/2014/main" id="{F193A385-50CF-BE28-07F2-D57735FF60E8}"/>
-              </a:ext>
-            </a:extLst>
-          </p:cNvPr>
-          <p:cNvSpPr/>
-          <p:nvPr/>
-        </p:nvSpPr>
-        <p:spPr>
-          <a:xfrm>
-            <a:off x="1565910" y="2863350"/>
-            <a:ext cx="1440000" cy="1080000"/>
-          </a:xfrm>
-          <a:prstGeom prst="rect">
-            <a:avLst/>
-          </a:prstGeom>
-          <a:noFill/>
-          <a:ln>
-            <a:solidFill>
-              <a:schemeClr val="bg2">
-                <a:lumMod val="75000"/>
-              </a:schemeClr>
-            </a:solidFill>
-          </a:ln>
-        </p:spPr>
-        <p:style>
-          <a:lnRef idx="2">
-            <a:schemeClr val="accent1">
-              <a:shade val="50000"/>
-            </a:schemeClr>
-          </a:lnRef>
-          <a:fillRef idx="1">
-            <a:schemeClr val="accent1"/>
-          </a:fillRef>
-          <a:effectRef idx="0">
-            <a:schemeClr val="accent1"/>
-          </a:effectRef>
-          <a:fontRef idx="minor">
-            <a:schemeClr val="lt1"/>
-          </a:fontRef>
-        </p:style>
-        <p:txBody>
-          <a:bodyPr rtlCol="0" anchor="ctr"/>
-          <a:lstStyle/>
-          <a:p>
-            <a:pPr algn="ctr"/>
-            <a:endParaRPr lang="nl-NL"/>
-          </a:p>
-        </p:txBody>
-      </p:sp>
-      <p:sp>
-        <p:nvSpPr>
-          <p:cNvPr id="42" name="Rechthoek 41">
-            <a:extLst>
-              <a:ext uri="{FF2B5EF4-FFF2-40B4-BE49-F238E27FC236}">
-                <a16:creationId xmlns:a16="http://schemas.microsoft.com/office/drawing/2014/main" id="{ABAA19AC-8D92-2973-92CF-BE6290450AD5}"/>
-              </a:ext>
-            </a:extLst>
-          </p:cNvPr>
-          <p:cNvSpPr/>
-          <p:nvPr/>
-        </p:nvSpPr>
-        <p:spPr>
-          <a:xfrm>
-            <a:off x="1565910" y="2863350"/>
-            <a:ext cx="1440000" cy="1080000"/>
-          </a:xfrm>
-          <a:prstGeom prst="rect">
-            <a:avLst/>
-          </a:prstGeom>
-          <a:solidFill>
-            <a:schemeClr val="tx1"/>
-          </a:solidFill>
-          <a:ln>
-            <a:solidFill>
-              <a:schemeClr val="bg2">
-                <a:lumMod val="75000"/>
-              </a:schemeClr>
-            </a:solidFill>
-          </a:ln>
-        </p:spPr>
-        <p:style>
-          <a:lnRef idx="2">
-            <a:schemeClr val="accent1">
-              <a:shade val="50000"/>
-            </a:schemeClr>
-          </a:lnRef>
-          <a:fillRef idx="1">
-            <a:schemeClr val="accent1"/>
-          </a:fillRef>
-          <a:effectRef idx="0">
-            <a:schemeClr val="accent1"/>
-          </a:effectRef>
-          <a:fontRef idx="minor">
-            <a:schemeClr val="lt1"/>
-          </a:fontRef>
-        </p:style>
-        <p:txBody>
-          <a:bodyPr rtlCol="0" anchor="ctr"/>
-          <a:lstStyle/>
-          <a:p>
-            <a:pPr algn="ctr"/>
-            <a:endParaRPr lang="nl-NL"/>
-          </a:p>
-        </p:txBody>
-      </p:sp>
-      <p:sp>
-        <p:nvSpPr>
-          <p:cNvPr id="46" name="Tekstvak 45">
-            <a:extLst>
-              <a:ext uri="{FF2B5EF4-FFF2-40B4-BE49-F238E27FC236}">
-                <a16:creationId xmlns:a16="http://schemas.microsoft.com/office/drawing/2014/main" id="{B6F04009-EE94-FE4F-8B36-8FB15584FC60}"/>
-              </a:ext>
-            </a:extLst>
-          </p:cNvPr>
-          <p:cNvSpPr txBox="1"/>
-          <p:nvPr/>
-        </p:nvSpPr>
-        <p:spPr>
-          <a:xfrm>
-            <a:off x="1771560" y="3080184"/>
-            <a:ext cx="1120140" cy="646331"/>
-          </a:xfrm>
-          <a:prstGeom prst="rect">
-            <a:avLst/>
-          </a:prstGeom>
-          <a:noFill/>
-        </p:spPr>
-        <p:txBody>
-          <a:bodyPr wrap="square" rtlCol="0">
-            <a:spAutoFit/>
-          </a:bodyPr>
-          <a:lstStyle/>
-          <a:p>
-            <a:pPr algn="ctr"/>
-            <a:r>
-              <a:rPr lang="nl-NL" dirty="0">
-                <a:solidFill>
-                  <a:schemeClr val="bg1"/>
-                </a:solidFill>
-                <a:latin typeface="Arial" panose="020B0604020202020204" pitchFamily="34" charset="0"/>
-                <a:cs typeface="Arial" panose="020B0604020202020204" pitchFamily="34" charset="0"/>
-              </a:rPr>
-              <a:t>F2 </a:t>
-            </a:r>
-          </a:p>
-          <a:p>
-            <a:pPr algn="ctr"/>
-            <a:r>
-              <a:rPr lang="nl-NL" dirty="0">
-                <a:solidFill>
-                  <a:schemeClr val="bg1"/>
-                </a:solidFill>
-                <a:latin typeface="Arial" panose="020B0604020202020204" pitchFamily="34" charset="0"/>
-                <a:cs typeface="Arial" panose="020B0604020202020204" pitchFamily="34" charset="0"/>
-              </a:rPr>
-              <a:t>TEST</a:t>
-            </a:r>
-          </a:p>
-        </p:txBody>
-      </p:sp>
-      <p:sp>
-        <p:nvSpPr>
-          <p:cNvPr id="50" name="Tekstvak 49">
-            <a:extLst>
-              <a:ext uri="{FF2B5EF4-FFF2-40B4-BE49-F238E27FC236}">
-                <a16:creationId xmlns:a16="http://schemas.microsoft.com/office/drawing/2014/main" id="{F8EE3D0B-4B14-CEE9-691B-E80E183A17AB}"/>
-              </a:ext>
-            </a:extLst>
-          </p:cNvPr>
-          <p:cNvSpPr txBox="1"/>
-          <p:nvPr/>
-        </p:nvSpPr>
-        <p:spPr>
-          <a:xfrm>
-            <a:off x="5371920" y="1685724"/>
-            <a:ext cx="1120140" cy="646331"/>
-          </a:xfrm>
-          <a:prstGeom prst="rect">
-            <a:avLst/>
-          </a:prstGeom>
-          <a:noFill/>
-        </p:spPr>
-        <p:txBody>
-          <a:bodyPr wrap="square" rtlCol="0">
-            <a:spAutoFit/>
-          </a:bodyPr>
-          <a:lstStyle/>
-          <a:p>
-            <a:pPr algn="ctr"/>
-            <a:r>
-              <a:rPr lang="nl-NL" dirty="0">
-                <a:latin typeface="Arial" panose="020B0604020202020204" pitchFamily="34" charset="0"/>
-                <a:cs typeface="Arial" panose="020B0604020202020204" pitchFamily="34" charset="0"/>
-              </a:rPr>
-              <a:t>F1 </a:t>
-            </a:r>
-          </a:p>
-          <a:p>
-            <a:pPr algn="ctr"/>
-            <a:r>
-              <a:rPr lang="nl-NL" dirty="0">
-                <a:latin typeface="Arial" panose="020B0604020202020204" pitchFamily="34" charset="0"/>
-                <a:cs typeface="Arial" panose="020B0604020202020204" pitchFamily="34" charset="0"/>
-              </a:rPr>
-              <a:t>TRAIN</a:t>
-            </a:r>
-          </a:p>
-        </p:txBody>
-      </p:sp>
-      <p:sp>
-        <p:nvSpPr>
-          <p:cNvPr id="51" name="Rechthoek 50">
-            <a:extLst>
-              <a:ext uri="{FF2B5EF4-FFF2-40B4-BE49-F238E27FC236}">
-                <a16:creationId xmlns:a16="http://schemas.microsoft.com/office/drawing/2014/main" id="{45F6F452-7427-38AC-54F2-CEA01EE09E7A}"/>
-              </a:ext>
-            </a:extLst>
-          </p:cNvPr>
-          <p:cNvSpPr/>
-          <p:nvPr/>
-        </p:nvSpPr>
-        <p:spPr>
-          <a:xfrm>
-            <a:off x="1565910" y="217606"/>
-            <a:ext cx="7200000" cy="1080000"/>
-          </a:xfrm>
-          <a:prstGeom prst="rect">
-            <a:avLst/>
-          </a:prstGeom>
-          <a:noFill/>
-          <a:ln>
-            <a:solidFill>
-              <a:schemeClr val="bg2">
-                <a:lumMod val="75000"/>
-              </a:schemeClr>
-            </a:solidFill>
-          </a:ln>
-        </p:spPr>
-        <p:style>
-          <a:lnRef idx="2">
-            <a:schemeClr val="accent1">
-              <a:shade val="50000"/>
-            </a:schemeClr>
-          </a:lnRef>
-          <a:fillRef idx="1">
-            <a:schemeClr val="accent1"/>
-          </a:fillRef>
-          <a:effectRef idx="0">
-            <a:schemeClr val="accent1"/>
-          </a:effectRef>
-          <a:fontRef idx="minor">
-            <a:schemeClr val="lt1"/>
-          </a:fontRef>
-        </p:style>
-        <p:txBody>
-          <a:bodyPr rtlCol="0" anchor="ctr"/>
-          <a:lstStyle/>
-          <a:p>
-            <a:pPr algn="ctr"/>
-            <a:endParaRPr lang="nl-NL"/>
-          </a:p>
-        </p:txBody>
-      </p:sp>
-      <p:sp>
-        <p:nvSpPr>
-          <p:cNvPr id="56" name="Tekstvak 55">
-            <a:extLst>
-              <a:ext uri="{FF2B5EF4-FFF2-40B4-BE49-F238E27FC236}">
-                <a16:creationId xmlns:a16="http://schemas.microsoft.com/office/drawing/2014/main" id="{9642B745-F5E2-2DBA-FF81-09EAA29CC73F}"/>
-              </a:ext>
-            </a:extLst>
-          </p:cNvPr>
-          <p:cNvSpPr txBox="1"/>
-          <p:nvPr/>
-        </p:nvSpPr>
-        <p:spPr>
-          <a:xfrm>
-            <a:off x="-359955" y="567430"/>
-            <a:ext cx="2320290" cy="246221"/>
-          </a:xfrm>
-          <a:prstGeom prst="rect">
-            <a:avLst/>
-          </a:prstGeom>
-          <a:noFill/>
-        </p:spPr>
-        <p:txBody>
-          <a:bodyPr wrap="square" rtlCol="0">
-            <a:spAutoFit/>
-          </a:bodyPr>
-          <a:lstStyle/>
-          <a:p>
-            <a:pPr algn="ctr"/>
-            <a:r>
-              <a:rPr lang="nl-NL" sz="1000" dirty="0">
-                <a:latin typeface="Arial" panose="020B0604020202020204" pitchFamily="34" charset="0"/>
-                <a:cs typeface="Arial" panose="020B0604020202020204" pitchFamily="34" charset="0"/>
-              </a:rPr>
-              <a:t>FINAL MODEL</a:t>
-            </a:r>
-          </a:p>
-        </p:txBody>
-      </p:sp>
-      <p:sp>
-        <p:nvSpPr>
-          <p:cNvPr id="68" name="Tekstvak 67">
-            <a:extLst>
-              <a:ext uri="{FF2B5EF4-FFF2-40B4-BE49-F238E27FC236}">
-                <a16:creationId xmlns:a16="http://schemas.microsoft.com/office/drawing/2014/main" id="{C16E17B9-E43E-21CD-E4D4-19A6FB657D06}"/>
-              </a:ext>
-            </a:extLst>
-          </p:cNvPr>
-          <p:cNvSpPr txBox="1"/>
-          <p:nvPr/>
-        </p:nvSpPr>
-        <p:spPr>
-          <a:xfrm>
-            <a:off x="5371920" y="3028890"/>
-            <a:ext cx="1120140" cy="646331"/>
-          </a:xfrm>
-          <a:prstGeom prst="rect">
-            <a:avLst/>
-          </a:prstGeom>
-          <a:noFill/>
-        </p:spPr>
-        <p:txBody>
-          <a:bodyPr wrap="square" rtlCol="0">
-            <a:spAutoFit/>
-          </a:bodyPr>
-          <a:lstStyle/>
-          <a:p>
-            <a:pPr algn="ctr"/>
-            <a:r>
-              <a:rPr lang="nl-NL" dirty="0">
-                <a:latin typeface="Arial" panose="020B0604020202020204" pitchFamily="34" charset="0"/>
-                <a:cs typeface="Arial" panose="020B0604020202020204" pitchFamily="34" charset="0"/>
-              </a:rPr>
-              <a:t>F2</a:t>
-            </a:r>
-          </a:p>
-          <a:p>
-            <a:pPr algn="ctr"/>
-            <a:r>
-              <a:rPr lang="nl-NL" dirty="0">
-                <a:latin typeface="Arial" panose="020B0604020202020204" pitchFamily="34" charset="0"/>
-                <a:cs typeface="Arial" panose="020B0604020202020204" pitchFamily="34" charset="0"/>
-              </a:rPr>
-              <a:t>TRAIN</a:t>
-            </a:r>
-          </a:p>
-        </p:txBody>
-      </p:sp>
-      <p:sp>
-        <p:nvSpPr>
-          <p:cNvPr id="70" name="Tekstvak 69">
-            <a:extLst>
-              <a:ext uri="{FF2B5EF4-FFF2-40B4-BE49-F238E27FC236}">
-                <a16:creationId xmlns:a16="http://schemas.microsoft.com/office/drawing/2014/main" id="{8A44AF20-7270-611E-D431-A84CD524C6DA}"/>
-              </a:ext>
-            </a:extLst>
-          </p:cNvPr>
-          <p:cNvSpPr txBox="1"/>
-          <p:nvPr/>
-        </p:nvSpPr>
-        <p:spPr>
-          <a:xfrm>
-            <a:off x="240120" y="4812631"/>
-            <a:ext cx="1120140" cy="246221"/>
-          </a:xfrm>
-          <a:prstGeom prst="rect">
-            <a:avLst/>
-          </a:prstGeom>
-          <a:noFill/>
-        </p:spPr>
-        <p:txBody>
-          <a:bodyPr wrap="square" rtlCol="0">
-            <a:spAutoFit/>
-          </a:bodyPr>
-          <a:lstStyle/>
-          <a:p>
-            <a:pPr algn="ctr"/>
-            <a:r>
-              <a:rPr lang="nl-NL" sz="1000" dirty="0">
-                <a:latin typeface="Arial" panose="020B0604020202020204" pitchFamily="34" charset="0"/>
-                <a:cs typeface="Arial" panose="020B0604020202020204" pitchFamily="34" charset="0"/>
-              </a:rPr>
-              <a:t>M1 RED</a:t>
-            </a:r>
-          </a:p>
-        </p:txBody>
-      </p:sp>
-      <p:sp>
-        <p:nvSpPr>
-          <p:cNvPr id="71" name="Rechthoek 70">
-            <a:extLst>
-              <a:ext uri="{FF2B5EF4-FFF2-40B4-BE49-F238E27FC236}">
-                <a16:creationId xmlns:a16="http://schemas.microsoft.com/office/drawing/2014/main" id="{952610ED-B851-9B42-6472-2C128EA573CF}"/>
-              </a:ext>
-            </a:extLst>
-          </p:cNvPr>
-          <p:cNvSpPr/>
-          <p:nvPr/>
-        </p:nvSpPr>
-        <p:spPr>
-          <a:xfrm>
-            <a:off x="1565910" y="4246981"/>
-            <a:ext cx="7200000" cy="1080000"/>
-          </a:xfrm>
-          <a:prstGeom prst="rect">
-            <a:avLst/>
-          </a:prstGeom>
-          <a:noFill/>
-          <a:ln>
-            <a:solidFill>
-              <a:schemeClr val="bg2">
-                <a:lumMod val="75000"/>
-              </a:schemeClr>
-            </a:solidFill>
-          </a:ln>
-        </p:spPr>
-        <p:style>
-          <a:lnRef idx="2">
-            <a:schemeClr val="accent1">
-              <a:shade val="50000"/>
-            </a:schemeClr>
-          </a:lnRef>
-          <a:fillRef idx="1">
-            <a:schemeClr val="accent1"/>
-          </a:fillRef>
-          <a:effectRef idx="0">
-            <a:schemeClr val="accent1"/>
-          </a:effectRef>
-          <a:fontRef idx="minor">
-            <a:schemeClr val="lt1"/>
-          </a:fontRef>
-        </p:style>
-        <p:txBody>
-          <a:bodyPr rtlCol="0" anchor="ctr"/>
-          <a:lstStyle/>
-          <a:p>
-            <a:pPr algn="ctr"/>
-            <a:endParaRPr lang="nl-NL"/>
-          </a:p>
-        </p:txBody>
-      </p:sp>
-      <p:sp>
-        <p:nvSpPr>
-          <p:cNvPr id="72" name="Rechthoek 71">
-            <a:extLst>
-              <a:ext uri="{FF2B5EF4-FFF2-40B4-BE49-F238E27FC236}">
-                <a16:creationId xmlns:a16="http://schemas.microsoft.com/office/drawing/2014/main" id="{BC4FC5E6-909B-B1F5-29EE-C6EB2D16965F}"/>
-              </a:ext>
-            </a:extLst>
-          </p:cNvPr>
-          <p:cNvSpPr/>
-          <p:nvPr/>
-        </p:nvSpPr>
-        <p:spPr>
-          <a:xfrm>
-            <a:off x="1565910" y="4246981"/>
-            <a:ext cx="1440000" cy="1080000"/>
-          </a:xfrm>
-          <a:prstGeom prst="rect">
-            <a:avLst/>
-          </a:prstGeom>
-          <a:noFill/>
-          <a:ln>
-            <a:solidFill>
-              <a:schemeClr val="bg2">
-                <a:lumMod val="75000"/>
-              </a:schemeClr>
-            </a:solidFill>
-          </a:ln>
-        </p:spPr>
-        <p:style>
-          <a:lnRef idx="2">
-            <a:schemeClr val="accent1">
-              <a:shade val="50000"/>
-            </a:schemeClr>
-          </a:lnRef>
-          <a:fillRef idx="1">
-            <a:schemeClr val="accent1"/>
-          </a:fillRef>
-          <a:effectRef idx="0">
-            <a:schemeClr val="accent1"/>
-          </a:effectRef>
-          <a:fontRef idx="minor">
-            <a:schemeClr val="lt1"/>
-          </a:fontRef>
-        </p:style>
-        <p:txBody>
-          <a:bodyPr rtlCol="0" anchor="ctr"/>
-          <a:lstStyle/>
-          <a:p>
-            <a:pPr algn="ctr"/>
-            <a:endParaRPr lang="nl-NL"/>
-          </a:p>
-        </p:txBody>
-      </p:sp>
-      <p:sp>
-        <p:nvSpPr>
-          <p:cNvPr id="73" name="Rechthoek 72">
-            <a:extLst>
-              <a:ext uri="{FF2B5EF4-FFF2-40B4-BE49-F238E27FC236}">
-                <a16:creationId xmlns:a16="http://schemas.microsoft.com/office/drawing/2014/main" id="{C38C8214-64EF-540A-2153-FAE0528025F5}"/>
-              </a:ext>
-            </a:extLst>
-          </p:cNvPr>
-          <p:cNvSpPr/>
-          <p:nvPr/>
-        </p:nvSpPr>
-        <p:spPr>
-          <a:xfrm>
-            <a:off x="1565910" y="4246981"/>
-            <a:ext cx="1440000" cy="1080000"/>
-          </a:xfrm>
-          <a:prstGeom prst="rect">
-            <a:avLst/>
-          </a:prstGeom>
-          <a:solidFill>
-            <a:schemeClr val="tx1"/>
-          </a:solidFill>
-          <a:ln>
-            <a:solidFill>
-              <a:schemeClr val="bg2">
-                <a:lumMod val="75000"/>
-              </a:schemeClr>
-            </a:solidFill>
-          </a:ln>
-        </p:spPr>
-        <p:style>
-          <a:lnRef idx="2">
-            <a:schemeClr val="accent1">
-              <a:shade val="50000"/>
-            </a:schemeClr>
-          </a:lnRef>
-          <a:fillRef idx="1">
-            <a:schemeClr val="accent1"/>
-          </a:fillRef>
-          <a:effectRef idx="0">
-            <a:schemeClr val="accent1"/>
-          </a:effectRef>
-          <a:fontRef idx="minor">
-            <a:schemeClr val="lt1"/>
-          </a:fontRef>
-        </p:style>
-        <p:txBody>
-          <a:bodyPr rtlCol="0" anchor="ctr"/>
-          <a:lstStyle/>
-          <a:p>
-            <a:pPr algn="ctr"/>
-            <a:endParaRPr lang="nl-NL"/>
-          </a:p>
-        </p:txBody>
-      </p:sp>
-      <p:sp>
-        <p:nvSpPr>
-          <p:cNvPr id="74" name="Tekstvak 73">
-            <a:extLst>
-              <a:ext uri="{FF2B5EF4-FFF2-40B4-BE49-F238E27FC236}">
-                <a16:creationId xmlns:a16="http://schemas.microsoft.com/office/drawing/2014/main" id="{841C36C8-445C-1FBF-C0EF-2150DE22F7CA}"/>
-              </a:ext>
-            </a:extLst>
-          </p:cNvPr>
-          <p:cNvSpPr txBox="1"/>
-          <p:nvPr/>
-        </p:nvSpPr>
-        <p:spPr>
-          <a:xfrm>
-            <a:off x="1771560" y="4463815"/>
-            <a:ext cx="1120140" cy="646331"/>
-          </a:xfrm>
-          <a:prstGeom prst="rect">
-            <a:avLst/>
-          </a:prstGeom>
-          <a:noFill/>
-        </p:spPr>
-        <p:txBody>
-          <a:bodyPr wrap="square" rtlCol="0">
-            <a:spAutoFit/>
-          </a:bodyPr>
-          <a:lstStyle/>
-          <a:p>
-            <a:pPr algn="ctr"/>
-            <a:r>
-              <a:rPr lang="nl-NL" dirty="0">
-                <a:solidFill>
-                  <a:schemeClr val="bg1"/>
-                </a:solidFill>
-                <a:latin typeface="Arial" panose="020B0604020202020204" pitchFamily="34" charset="0"/>
-                <a:cs typeface="Arial" panose="020B0604020202020204" pitchFamily="34" charset="0"/>
-              </a:rPr>
-              <a:t>F2 </a:t>
-            </a:r>
-          </a:p>
-          <a:p>
-            <a:pPr algn="ctr"/>
-            <a:r>
-              <a:rPr lang="nl-NL" dirty="0">
-                <a:solidFill>
-                  <a:schemeClr val="bg1"/>
-                </a:solidFill>
-                <a:latin typeface="Arial" panose="020B0604020202020204" pitchFamily="34" charset="0"/>
-                <a:cs typeface="Arial" panose="020B0604020202020204" pitchFamily="34" charset="0"/>
-              </a:rPr>
-              <a:t>TEST</a:t>
-            </a:r>
-          </a:p>
-        </p:txBody>
-      </p:sp>
-      <p:sp>
-        <p:nvSpPr>
-          <p:cNvPr id="75" name="Tekstvak 74">
-            <a:extLst>
-              <a:ext uri="{FF2B5EF4-FFF2-40B4-BE49-F238E27FC236}">
-                <a16:creationId xmlns:a16="http://schemas.microsoft.com/office/drawing/2014/main" id="{B968E462-37A1-3E0C-09BB-357B4D788D5F}"/>
-              </a:ext>
-            </a:extLst>
-          </p:cNvPr>
-          <p:cNvSpPr txBox="1"/>
-          <p:nvPr/>
-        </p:nvSpPr>
-        <p:spPr>
-          <a:xfrm>
-            <a:off x="5499318" y="4412521"/>
-            <a:ext cx="1120140" cy="646331"/>
-          </a:xfrm>
-          <a:prstGeom prst="rect">
-            <a:avLst/>
-          </a:prstGeom>
-          <a:noFill/>
-        </p:spPr>
-        <p:txBody>
-          <a:bodyPr wrap="square" rtlCol="0">
-            <a:spAutoFit/>
-          </a:bodyPr>
-          <a:lstStyle/>
-          <a:p>
-            <a:pPr algn="ctr"/>
-            <a:r>
-              <a:rPr lang="nl-NL" dirty="0">
-                <a:latin typeface="Arial" panose="020B0604020202020204" pitchFamily="34" charset="0"/>
-                <a:cs typeface="Arial" panose="020B0604020202020204" pitchFamily="34" charset="0"/>
-              </a:rPr>
-              <a:t>F2</a:t>
-            </a:r>
-          </a:p>
-          <a:p>
-            <a:pPr algn="ctr"/>
-            <a:r>
-              <a:rPr lang="nl-NL" dirty="0">
-                <a:latin typeface="Arial" panose="020B0604020202020204" pitchFamily="34" charset="0"/>
-                <a:cs typeface="Arial" panose="020B0604020202020204" pitchFamily="34" charset="0"/>
-              </a:rPr>
-              <a:t>TRAIN</a:t>
-            </a:r>
-          </a:p>
-        </p:txBody>
-      </p:sp>
-      <p:sp>
-        <p:nvSpPr>
-          <p:cNvPr id="77" name="Rechthoek 76">
-            <a:extLst>
-              <a:ext uri="{FF2B5EF4-FFF2-40B4-BE49-F238E27FC236}">
-                <a16:creationId xmlns:a16="http://schemas.microsoft.com/office/drawing/2014/main" id="{65096C79-8E5A-87B2-E27C-3BC6455CB117}"/>
-              </a:ext>
-            </a:extLst>
-          </p:cNvPr>
-          <p:cNvSpPr/>
-          <p:nvPr/>
-        </p:nvSpPr>
-        <p:spPr>
-          <a:xfrm>
-            <a:off x="7325910" y="4246981"/>
-            <a:ext cx="1152000" cy="1080000"/>
-          </a:xfrm>
-          <a:prstGeom prst="rect">
-            <a:avLst/>
-          </a:prstGeom>
-          <a:noFill/>
-          <a:ln>
-            <a:solidFill>
-              <a:schemeClr val="bg2">
-                <a:lumMod val="75000"/>
-              </a:schemeClr>
-            </a:solidFill>
-          </a:ln>
-        </p:spPr>
-        <p:style>
-          <a:lnRef idx="2">
-            <a:schemeClr val="accent1">
-              <a:shade val="50000"/>
-            </a:schemeClr>
-          </a:lnRef>
-          <a:fillRef idx="1">
-            <a:schemeClr val="accent1"/>
-          </a:fillRef>
-          <a:effectRef idx="0">
-            <a:schemeClr val="accent1"/>
-          </a:effectRef>
-          <a:fontRef idx="minor">
-            <a:schemeClr val="lt1"/>
-          </a:fontRef>
-        </p:style>
-        <p:txBody>
-          <a:bodyPr rtlCol="0" anchor="ctr"/>
-          <a:lstStyle/>
-          <a:p>
-            <a:pPr algn="ctr"/>
-            <a:endParaRPr lang="nl-NL"/>
-          </a:p>
-        </p:txBody>
-      </p:sp>
-      <p:sp>
-        <p:nvSpPr>
-          <p:cNvPr id="78" name="Rechthoek 77">
-            <a:extLst>
-              <a:ext uri="{FF2B5EF4-FFF2-40B4-BE49-F238E27FC236}">
-                <a16:creationId xmlns:a16="http://schemas.microsoft.com/office/drawing/2014/main" id="{D2580ADA-F95F-F71E-CA3B-1C0276C4BF21}"/>
-              </a:ext>
-            </a:extLst>
-          </p:cNvPr>
-          <p:cNvSpPr/>
-          <p:nvPr/>
-        </p:nvSpPr>
-        <p:spPr>
-          <a:xfrm>
-            <a:off x="8477910" y="4246981"/>
-            <a:ext cx="288000" cy="1080000"/>
-          </a:xfrm>
-          <a:prstGeom prst="rect">
-            <a:avLst/>
-          </a:prstGeom>
-          <a:noFill/>
-          <a:ln>
-            <a:solidFill>
-              <a:schemeClr val="bg2">
-                <a:lumMod val="75000"/>
-              </a:schemeClr>
-            </a:solidFill>
-          </a:ln>
-        </p:spPr>
-        <p:style>
-          <a:lnRef idx="2">
-            <a:schemeClr val="accent1">
-              <a:shade val="50000"/>
-            </a:schemeClr>
-          </a:lnRef>
-          <a:fillRef idx="1">
-            <a:schemeClr val="accent1"/>
-          </a:fillRef>
-          <a:effectRef idx="0">
-            <a:schemeClr val="accent1"/>
-          </a:effectRef>
-          <a:fontRef idx="minor">
-            <a:schemeClr val="lt1"/>
-          </a:fontRef>
-        </p:style>
-        <p:txBody>
-          <a:bodyPr rtlCol="0" anchor="ctr"/>
-          <a:lstStyle/>
-          <a:p>
-            <a:pPr algn="ctr"/>
-            <a:endParaRPr lang="nl-NL"/>
-          </a:p>
-        </p:txBody>
-      </p:sp>
-      <p:sp>
-        <p:nvSpPr>
-          <p:cNvPr id="79" name="Tekstvak 78">
-            <a:extLst>
-              <a:ext uri="{FF2B5EF4-FFF2-40B4-BE49-F238E27FC236}">
-                <a16:creationId xmlns:a16="http://schemas.microsoft.com/office/drawing/2014/main" id="{8A6918BC-4BF1-83E1-5214-438188B95425}"/>
-              </a:ext>
-            </a:extLst>
-          </p:cNvPr>
-          <p:cNvSpPr txBox="1"/>
-          <p:nvPr/>
-        </p:nvSpPr>
-        <p:spPr>
-          <a:xfrm>
-            <a:off x="7385382" y="4463815"/>
-            <a:ext cx="1120140" cy="577081"/>
-          </a:xfrm>
-          <a:prstGeom prst="rect">
-            <a:avLst/>
-          </a:prstGeom>
-          <a:noFill/>
-        </p:spPr>
-        <p:txBody>
-          <a:bodyPr wrap="square" rtlCol="0">
-            <a:spAutoFit/>
-          </a:bodyPr>
-          <a:lstStyle/>
-          <a:p>
-            <a:pPr algn="ctr"/>
-            <a:r>
-              <a:rPr lang="nl-NL" sz="1050" dirty="0">
-                <a:latin typeface="Arial" panose="020B0604020202020204" pitchFamily="34" charset="0"/>
-                <a:cs typeface="Arial" panose="020B0604020202020204" pitchFamily="34" charset="0"/>
-              </a:rPr>
-              <a:t>F2</a:t>
-            </a:r>
-          </a:p>
-          <a:p>
-            <a:pPr algn="ctr"/>
-            <a:r>
-              <a:rPr lang="nl-NL" sz="1050" dirty="0">
-                <a:latin typeface="Arial" panose="020B0604020202020204" pitchFamily="34" charset="0"/>
-                <a:cs typeface="Arial" panose="020B0604020202020204" pitchFamily="34" charset="0"/>
-              </a:rPr>
-              <a:t>RED</a:t>
-            </a:r>
-          </a:p>
-          <a:p>
-            <a:pPr algn="ctr"/>
-            <a:r>
-              <a:rPr lang="nl-NL" sz="1050" dirty="0">
-                <a:latin typeface="Arial" panose="020B0604020202020204" pitchFamily="34" charset="0"/>
-                <a:cs typeface="Arial" panose="020B0604020202020204" pitchFamily="34" charset="0"/>
-              </a:rPr>
-              <a:t>TRAIN</a:t>
-            </a:r>
-          </a:p>
-        </p:txBody>
-      </p:sp>
-      <p:sp>
-        <p:nvSpPr>
-          <p:cNvPr id="80" name="Tekstvak 79">
-            <a:extLst>
-              <a:ext uri="{FF2B5EF4-FFF2-40B4-BE49-F238E27FC236}">
-                <a16:creationId xmlns:a16="http://schemas.microsoft.com/office/drawing/2014/main" id="{A14BE096-904D-9203-2416-5237ABA10037}"/>
-              </a:ext>
-            </a:extLst>
-          </p:cNvPr>
-          <p:cNvSpPr txBox="1"/>
-          <p:nvPr/>
-        </p:nvSpPr>
-        <p:spPr>
-          <a:xfrm>
-            <a:off x="8185146" y="4454625"/>
-            <a:ext cx="1120140" cy="577081"/>
-          </a:xfrm>
-          <a:prstGeom prst="rect">
-            <a:avLst/>
-          </a:prstGeom>
-          <a:noFill/>
-        </p:spPr>
-        <p:txBody>
-          <a:bodyPr wrap="square" rtlCol="0">
-            <a:spAutoFit/>
-          </a:bodyPr>
-          <a:lstStyle/>
-          <a:p>
-            <a:pPr algn="ctr"/>
-            <a:r>
-              <a:rPr lang="nl-NL" sz="1050" dirty="0">
-                <a:latin typeface="Arial" panose="020B0604020202020204" pitchFamily="34" charset="0"/>
-                <a:cs typeface="Arial" panose="020B0604020202020204" pitchFamily="34" charset="0"/>
-              </a:rPr>
-              <a:t>F2</a:t>
-            </a:r>
-          </a:p>
-          <a:p>
-            <a:pPr algn="ctr"/>
-            <a:r>
-              <a:rPr lang="nl-NL" sz="1050" dirty="0">
-                <a:latin typeface="Arial" panose="020B0604020202020204" pitchFamily="34" charset="0"/>
-                <a:cs typeface="Arial" panose="020B0604020202020204" pitchFamily="34" charset="0"/>
-              </a:rPr>
-              <a:t>RED</a:t>
-            </a:r>
-          </a:p>
-          <a:p>
-            <a:pPr algn="ctr"/>
-            <a:r>
-              <a:rPr lang="nl-NL" sz="1050" dirty="0">
-                <a:latin typeface="Arial" panose="020B0604020202020204" pitchFamily="34" charset="0"/>
-                <a:cs typeface="Arial" panose="020B0604020202020204" pitchFamily="34" charset="0"/>
-              </a:rPr>
-              <a:t>TEST</a:t>
-            </a:r>
-          </a:p>
-        </p:txBody>
-      </p:sp>
-    </p:spTree>
-    <p:extLst>
-      <p:ext uri="{BB962C8B-B14F-4D97-AF65-F5344CB8AC3E}">
-        <p14:creationId xmlns:p14="http://schemas.microsoft.com/office/powerpoint/2010/main" val="543184199"/>
-      </p:ext>
-    </p:extLst>
-  </p:cSld>
-  <p:clrMapOvr>
-    <a:masterClrMapping/>
-  </p:clrMapOvr>
-</p:sld>
-</file>
-
-<file path=ppt/slides/slide2.xml><?xml version="1.0" encoding="utf-8"?>
-<p:sld xmlns:a="http://schemas.openxmlformats.org/drawingml/2006/main" xmlns:r="http://schemas.openxmlformats.org/officeDocument/2006/relationships" xmlns:p="http://schemas.openxmlformats.org/presentationml/2006/main">
-  <p:cSld>
-    <p:spTree>
-      <p:nvGrpSpPr>
-        <p:cNvPr id="1" name=""/>
-        <p:cNvGrpSpPr/>
-        <p:nvPr/>
-      </p:nvGrpSpPr>
-      <p:grpSpPr>
-        <a:xfrm>
-          <a:off x="0" y="0"/>
-          <a:ext cx="0" cy="0"/>
-          <a:chOff x="0" y="0"/>
-          <a:chExt cx="0" cy="0"/>
-        </a:xfrm>
-      </p:grpSpPr>
-      <p:sp>
-        <p:nvSpPr>
-          <p:cNvPr id="4" name="Rechthoek 3">
-            <a:extLst>
-              <a:ext uri="{FF2B5EF4-FFF2-40B4-BE49-F238E27FC236}">
-                <a16:creationId xmlns:a16="http://schemas.microsoft.com/office/drawing/2014/main" id="{1FE09845-CBF1-73C4-6A4E-D33D752762AF}"/>
-              </a:ext>
-            </a:extLst>
-          </p:cNvPr>
-          <p:cNvSpPr/>
-          <p:nvPr/>
-        </p:nvSpPr>
-        <p:spPr>
-          <a:xfrm>
-            <a:off x="1565910" y="1468890"/>
-            <a:ext cx="7200000" cy="1080000"/>
-          </a:xfrm>
-          <a:prstGeom prst="rect">
-            <a:avLst/>
-          </a:prstGeom>
-          <a:noFill/>
-          <a:ln>
-            <a:solidFill>
-              <a:schemeClr val="bg2">
-                <a:lumMod val="75000"/>
-              </a:schemeClr>
-            </a:solidFill>
-          </a:ln>
-        </p:spPr>
-        <p:style>
-          <a:lnRef idx="2">
-            <a:schemeClr val="accent1">
-              <a:shade val="50000"/>
-            </a:schemeClr>
-          </a:lnRef>
-          <a:fillRef idx="1">
-            <a:schemeClr val="accent1"/>
-          </a:fillRef>
-          <a:effectRef idx="0">
-            <a:schemeClr val="accent1"/>
-          </a:effectRef>
-          <a:fontRef idx="minor">
-            <a:schemeClr val="lt1"/>
-          </a:fontRef>
-        </p:style>
-        <p:txBody>
-          <a:bodyPr rtlCol="0" anchor="ctr"/>
-          <a:lstStyle/>
-          <a:p>
-            <a:pPr algn="ctr"/>
-            <a:endParaRPr lang="nl-NL"/>
-          </a:p>
-        </p:txBody>
-      </p:sp>
-      <p:sp>
-        <p:nvSpPr>
-          <p:cNvPr id="21" name="Rechthoek 20">
-            <a:extLst>
-              <a:ext uri="{FF2B5EF4-FFF2-40B4-BE49-F238E27FC236}">
-                <a16:creationId xmlns:a16="http://schemas.microsoft.com/office/drawing/2014/main" id="{8DCAFF33-C7A4-D694-E789-184386650264}"/>
-              </a:ext>
-            </a:extLst>
-          </p:cNvPr>
-          <p:cNvSpPr/>
-          <p:nvPr/>
-        </p:nvSpPr>
-        <p:spPr>
-          <a:xfrm>
-            <a:off x="1565910" y="1468890"/>
-            <a:ext cx="1440000" cy="1080000"/>
-          </a:xfrm>
-          <a:prstGeom prst="rect">
-            <a:avLst/>
-          </a:prstGeom>
-          <a:noFill/>
-          <a:ln>
-            <a:solidFill>
-              <a:schemeClr val="bg2">
-                <a:lumMod val="75000"/>
-              </a:schemeClr>
-            </a:solidFill>
-          </a:ln>
-        </p:spPr>
-        <p:style>
-          <a:lnRef idx="2">
-            <a:schemeClr val="accent1">
-              <a:shade val="50000"/>
-            </a:schemeClr>
-          </a:lnRef>
-          <a:fillRef idx="1">
-            <a:schemeClr val="accent1"/>
-          </a:fillRef>
-          <a:effectRef idx="0">
-            <a:schemeClr val="accent1"/>
-          </a:effectRef>
-          <a:fontRef idx="minor">
-            <a:schemeClr val="lt1"/>
-          </a:fontRef>
-        </p:style>
-        <p:txBody>
-          <a:bodyPr rtlCol="0" anchor="ctr"/>
-          <a:lstStyle/>
-          <a:p>
-            <a:pPr algn="ctr"/>
-            <a:endParaRPr lang="nl-NL"/>
-          </a:p>
-        </p:txBody>
-      </p:sp>
-      <p:sp>
-        <p:nvSpPr>
-          <p:cNvPr id="22" name="Tekstvak 21">
-            <a:extLst>
-              <a:ext uri="{FF2B5EF4-FFF2-40B4-BE49-F238E27FC236}">
-                <a16:creationId xmlns:a16="http://schemas.microsoft.com/office/drawing/2014/main" id="{7F20A534-9E91-A732-7CDB-2F6BA68934B2}"/>
-              </a:ext>
-            </a:extLst>
-          </p:cNvPr>
-          <p:cNvSpPr txBox="1"/>
-          <p:nvPr/>
-        </p:nvSpPr>
-        <p:spPr>
-          <a:xfrm>
-            <a:off x="4446090" y="537542"/>
-            <a:ext cx="925830" cy="369332"/>
-          </a:xfrm>
-          <a:prstGeom prst="rect">
-            <a:avLst/>
-          </a:prstGeom>
-          <a:noFill/>
-        </p:spPr>
-        <p:txBody>
-          <a:bodyPr wrap="square" rtlCol="0">
-            <a:spAutoFit/>
-          </a:bodyPr>
-          <a:lstStyle/>
-          <a:p>
-            <a:r>
-              <a:rPr lang="nl-NL" dirty="0">
-                <a:latin typeface="Arial" panose="020B0604020202020204" pitchFamily="34" charset="0"/>
-                <a:cs typeface="Arial" panose="020B0604020202020204" pitchFamily="34" charset="0"/>
-              </a:rPr>
-              <a:t>TRAIN</a:t>
-            </a:r>
-          </a:p>
-        </p:txBody>
-      </p:sp>
-      <p:sp>
-        <p:nvSpPr>
-          <p:cNvPr id="23" name="Tekstvak 22">
-            <a:extLst>
-              <a:ext uri="{FF2B5EF4-FFF2-40B4-BE49-F238E27FC236}">
-                <a16:creationId xmlns:a16="http://schemas.microsoft.com/office/drawing/2014/main" id="{3DDD3BF6-1BAA-7EE3-FBFD-9A0B97A82A29}"/>
-              </a:ext>
-            </a:extLst>
-          </p:cNvPr>
-          <p:cNvSpPr txBox="1"/>
-          <p:nvPr/>
-        </p:nvSpPr>
-        <p:spPr>
-          <a:xfrm>
-            <a:off x="9339526" y="552704"/>
-            <a:ext cx="925830" cy="369332"/>
-          </a:xfrm>
-          <a:prstGeom prst="rect">
-            <a:avLst/>
-          </a:prstGeom>
-          <a:noFill/>
-        </p:spPr>
-        <p:txBody>
-          <a:bodyPr wrap="square" rtlCol="0">
-            <a:spAutoFit/>
-          </a:bodyPr>
-          <a:lstStyle/>
-          <a:p>
-            <a:r>
-              <a:rPr lang="nl-NL" dirty="0">
-                <a:latin typeface="Arial" panose="020B0604020202020204" pitchFamily="34" charset="0"/>
-                <a:cs typeface="Arial" panose="020B0604020202020204" pitchFamily="34" charset="0"/>
-              </a:rPr>
-              <a:t>TEST</a:t>
-            </a:r>
-          </a:p>
-        </p:txBody>
-      </p:sp>
-      <p:sp>
-        <p:nvSpPr>
-          <p:cNvPr id="27" name="Tekstvak 26">
-            <a:extLst>
-              <a:ext uri="{FF2B5EF4-FFF2-40B4-BE49-F238E27FC236}">
-                <a16:creationId xmlns:a16="http://schemas.microsoft.com/office/drawing/2014/main" id="{E6F760EA-B18D-AC0D-88CB-2FE6EF7FDB2E}"/>
-              </a:ext>
-            </a:extLst>
-          </p:cNvPr>
-          <p:cNvSpPr txBox="1"/>
-          <p:nvPr/>
-        </p:nvSpPr>
-        <p:spPr>
-          <a:xfrm>
-            <a:off x="1725840" y="1685724"/>
-            <a:ext cx="1120140" cy="646331"/>
-          </a:xfrm>
-          <a:prstGeom prst="rect">
-            <a:avLst/>
-          </a:prstGeom>
-          <a:noFill/>
-        </p:spPr>
-        <p:txBody>
-          <a:bodyPr wrap="square" rtlCol="0">
-            <a:spAutoFit/>
-          </a:bodyPr>
-          <a:lstStyle/>
-          <a:p>
-            <a:pPr algn="ctr"/>
-            <a:r>
-              <a:rPr lang="nl-NL" dirty="0">
-                <a:latin typeface="Arial" panose="020B0604020202020204" pitchFamily="34" charset="0"/>
-                <a:cs typeface="Arial" panose="020B0604020202020204" pitchFamily="34" charset="0"/>
-              </a:rPr>
-              <a:t>F1 </a:t>
-            </a:r>
-          </a:p>
-          <a:p>
-            <a:pPr algn="ctr"/>
-            <a:r>
-              <a:rPr lang="nl-NL" dirty="0">
-                <a:latin typeface="Arial" panose="020B0604020202020204" pitchFamily="34" charset="0"/>
-                <a:cs typeface="Arial" panose="020B0604020202020204" pitchFamily="34" charset="0"/>
-              </a:rPr>
-              <a:t>TEST</a:t>
-            </a:r>
-          </a:p>
-        </p:txBody>
-      </p:sp>
-      <p:sp>
-        <p:nvSpPr>
-          <p:cNvPr id="32" name="Tekstvak 31">
-            <a:extLst>
-              <a:ext uri="{FF2B5EF4-FFF2-40B4-BE49-F238E27FC236}">
-                <a16:creationId xmlns:a16="http://schemas.microsoft.com/office/drawing/2014/main" id="{F07F263A-19D3-41D3-128E-872356C3A4FF}"/>
-              </a:ext>
-            </a:extLst>
-          </p:cNvPr>
-          <p:cNvSpPr txBox="1"/>
-          <p:nvPr/>
-        </p:nvSpPr>
-        <p:spPr>
-          <a:xfrm>
-            <a:off x="240120" y="1808834"/>
-            <a:ext cx="1120140" cy="400110"/>
-          </a:xfrm>
-          <a:prstGeom prst="rect">
-            <a:avLst/>
-          </a:prstGeom>
-          <a:noFill/>
-        </p:spPr>
-        <p:txBody>
-          <a:bodyPr wrap="square" rtlCol="0">
-            <a:spAutoFit/>
-          </a:bodyPr>
-          <a:lstStyle/>
-          <a:p>
-            <a:pPr algn="ctr"/>
-            <a:r>
-              <a:rPr lang="nl-NL" sz="1000" dirty="0">
-                <a:latin typeface="Arial" panose="020B0604020202020204" pitchFamily="34" charset="0"/>
-                <a:cs typeface="Arial" panose="020B0604020202020204" pitchFamily="34" charset="0"/>
-              </a:rPr>
-              <a:t>DATA EXPLORATION</a:t>
-            </a:r>
-          </a:p>
-        </p:txBody>
-      </p:sp>
-      <p:sp>
-        <p:nvSpPr>
-          <p:cNvPr id="33" name="Tekstvak 32">
-            <a:extLst>
-              <a:ext uri="{FF2B5EF4-FFF2-40B4-BE49-F238E27FC236}">
-                <a16:creationId xmlns:a16="http://schemas.microsoft.com/office/drawing/2014/main" id="{CFB407A9-DA65-1F9E-E159-E5C9811C9017}"/>
-              </a:ext>
-            </a:extLst>
-          </p:cNvPr>
-          <p:cNvSpPr txBox="1"/>
-          <p:nvPr/>
-        </p:nvSpPr>
-        <p:spPr>
-          <a:xfrm>
-            <a:off x="240120" y="3429000"/>
-            <a:ext cx="1120140" cy="246221"/>
-          </a:xfrm>
-          <a:prstGeom prst="rect">
-            <a:avLst/>
-          </a:prstGeom>
-          <a:noFill/>
-        </p:spPr>
-        <p:txBody>
-          <a:bodyPr wrap="square" rtlCol="0">
-            <a:spAutoFit/>
-          </a:bodyPr>
-          <a:lstStyle/>
-          <a:p>
-            <a:pPr algn="ctr"/>
-            <a:r>
-              <a:rPr lang="nl-NL" sz="1000" dirty="0">
-                <a:latin typeface="Arial" panose="020B0604020202020204" pitchFamily="34" charset="0"/>
-                <a:cs typeface="Arial" panose="020B0604020202020204" pitchFamily="34" charset="0"/>
-              </a:rPr>
-              <a:t>M1</a:t>
-            </a:r>
-          </a:p>
-        </p:txBody>
-      </p:sp>
-      <p:sp>
-        <p:nvSpPr>
-          <p:cNvPr id="35" name="Tekstvak 34">
-            <a:extLst>
-              <a:ext uri="{FF2B5EF4-FFF2-40B4-BE49-F238E27FC236}">
-                <a16:creationId xmlns:a16="http://schemas.microsoft.com/office/drawing/2014/main" id="{A203903A-BEFC-D1BD-5C02-6CA5B87EBCA9}"/>
-              </a:ext>
-            </a:extLst>
-          </p:cNvPr>
-          <p:cNvSpPr txBox="1"/>
-          <p:nvPr/>
-        </p:nvSpPr>
-        <p:spPr>
-          <a:xfrm>
-            <a:off x="240120" y="5727539"/>
-            <a:ext cx="1120140" cy="246221"/>
-          </a:xfrm>
-          <a:prstGeom prst="rect">
-            <a:avLst/>
-          </a:prstGeom>
-          <a:noFill/>
-        </p:spPr>
-        <p:txBody>
-          <a:bodyPr wrap="square" rtlCol="0">
-            <a:spAutoFit/>
-          </a:bodyPr>
-          <a:lstStyle/>
-          <a:p>
-            <a:pPr algn="ctr"/>
-            <a:r>
-              <a:rPr lang="nl-NL" sz="1000" dirty="0">
-                <a:latin typeface="Arial" panose="020B0604020202020204" pitchFamily="34" charset="0"/>
-                <a:cs typeface="Arial" panose="020B0604020202020204" pitchFamily="34" charset="0"/>
-              </a:rPr>
-              <a:t>M2</a:t>
-            </a:r>
-          </a:p>
-        </p:txBody>
-      </p:sp>
-      <p:sp>
-        <p:nvSpPr>
-          <p:cNvPr id="36" name="Tekstvak 35">
-            <a:extLst>
-              <a:ext uri="{FF2B5EF4-FFF2-40B4-BE49-F238E27FC236}">
-                <a16:creationId xmlns:a16="http://schemas.microsoft.com/office/drawing/2014/main" id="{EF0D950A-2ADA-7746-AD2A-D2C958EDAE5E}"/>
-              </a:ext>
-            </a:extLst>
-          </p:cNvPr>
-          <p:cNvSpPr txBox="1"/>
-          <p:nvPr/>
-        </p:nvSpPr>
-        <p:spPr>
-          <a:xfrm>
-            <a:off x="-359955" y="6402746"/>
-            <a:ext cx="2320290" cy="246221"/>
-          </a:xfrm>
-          <a:prstGeom prst="rect">
-            <a:avLst/>
-          </a:prstGeom>
-          <a:noFill/>
-        </p:spPr>
-        <p:txBody>
-          <a:bodyPr wrap="square" rtlCol="0">
-            <a:spAutoFit/>
-          </a:bodyPr>
-          <a:lstStyle/>
-          <a:p>
-            <a:pPr algn="ctr"/>
-            <a:r>
-              <a:rPr lang="nl-NL" sz="1000" dirty="0">
-                <a:latin typeface="Arial" panose="020B0604020202020204" pitchFamily="34" charset="0"/>
-                <a:cs typeface="Arial" panose="020B0604020202020204" pitchFamily="34" charset="0"/>
-              </a:rPr>
-              <a:t>GRIDSEARCH</a:t>
-            </a:r>
-          </a:p>
-        </p:txBody>
-      </p:sp>
-      <p:sp>
-        <p:nvSpPr>
-          <p:cNvPr id="39" name="Tekstvak 38">
-            <a:extLst>
-              <a:ext uri="{FF2B5EF4-FFF2-40B4-BE49-F238E27FC236}">
-                <a16:creationId xmlns:a16="http://schemas.microsoft.com/office/drawing/2014/main" id="{AF015889-FE2B-7494-7FDB-B1476669AE72}"/>
-              </a:ext>
-            </a:extLst>
-          </p:cNvPr>
-          <p:cNvSpPr txBox="1"/>
-          <p:nvPr/>
-        </p:nvSpPr>
-        <p:spPr>
-          <a:xfrm>
-            <a:off x="-359955" y="4505366"/>
-            <a:ext cx="2320290" cy="246221"/>
-          </a:xfrm>
-          <a:prstGeom prst="rect">
-            <a:avLst/>
-          </a:prstGeom>
-          <a:noFill/>
-        </p:spPr>
-        <p:txBody>
-          <a:bodyPr wrap="square" rtlCol="0">
-            <a:spAutoFit/>
-          </a:bodyPr>
-          <a:lstStyle/>
-          <a:p>
-            <a:pPr algn="ctr"/>
-            <a:r>
-              <a:rPr lang="nl-NL" sz="1000" dirty="0">
-                <a:latin typeface="Arial" panose="020B0604020202020204" pitchFamily="34" charset="0"/>
-                <a:cs typeface="Arial" panose="020B0604020202020204" pitchFamily="34" charset="0"/>
-              </a:rPr>
-              <a:t>GRIDSEARCH</a:t>
-            </a:r>
-          </a:p>
-        </p:txBody>
-      </p:sp>
-      <p:sp>
-        <p:nvSpPr>
-          <p:cNvPr id="40" name="Rechthoek 39">
-            <a:extLst>
-              <a:ext uri="{FF2B5EF4-FFF2-40B4-BE49-F238E27FC236}">
-                <a16:creationId xmlns:a16="http://schemas.microsoft.com/office/drawing/2014/main" id="{3BC55298-3D86-677A-BEDD-F861F0FCAAC4}"/>
-              </a:ext>
-            </a:extLst>
-          </p:cNvPr>
-          <p:cNvSpPr/>
-          <p:nvPr/>
-        </p:nvSpPr>
-        <p:spPr>
-          <a:xfrm>
-            <a:off x="1565910" y="2863350"/>
-            <a:ext cx="7200000" cy="1080000"/>
-          </a:xfrm>
-          <a:prstGeom prst="rect">
-            <a:avLst/>
-          </a:prstGeom>
-          <a:noFill/>
-          <a:ln>
-            <a:solidFill>
-              <a:schemeClr val="bg2">
-                <a:lumMod val="75000"/>
-              </a:schemeClr>
-            </a:solidFill>
-          </a:ln>
-        </p:spPr>
-        <p:style>
-          <a:lnRef idx="2">
-            <a:schemeClr val="accent1">
-              <a:shade val="50000"/>
-            </a:schemeClr>
-          </a:lnRef>
-          <a:fillRef idx="1">
-            <a:schemeClr val="accent1"/>
-          </a:fillRef>
-          <a:effectRef idx="0">
-            <a:schemeClr val="accent1"/>
-          </a:effectRef>
-          <a:fontRef idx="minor">
-            <a:schemeClr val="lt1"/>
-          </a:fontRef>
-        </p:style>
-        <p:txBody>
-          <a:bodyPr rtlCol="0" anchor="ctr"/>
-          <a:lstStyle/>
-          <a:p>
-            <a:pPr algn="ctr"/>
-            <a:endParaRPr lang="nl-NL"/>
-          </a:p>
-        </p:txBody>
-      </p:sp>
-      <p:sp>
-        <p:nvSpPr>
-          <p:cNvPr id="41" name="Rechthoek 40">
-            <a:extLst>
-              <a:ext uri="{FF2B5EF4-FFF2-40B4-BE49-F238E27FC236}">
-                <a16:creationId xmlns:a16="http://schemas.microsoft.com/office/drawing/2014/main" id="{F193A385-50CF-BE28-07F2-D57735FF60E8}"/>
-              </a:ext>
-            </a:extLst>
-          </p:cNvPr>
-          <p:cNvSpPr/>
-          <p:nvPr/>
-        </p:nvSpPr>
-        <p:spPr>
-          <a:xfrm>
-            <a:off x="1565910" y="2863350"/>
-            <a:ext cx="1440000" cy="1080000"/>
-          </a:xfrm>
-          <a:prstGeom prst="rect">
-            <a:avLst/>
-          </a:prstGeom>
-          <a:noFill/>
-          <a:ln>
-            <a:solidFill>
-              <a:schemeClr val="bg2">
-                <a:lumMod val="75000"/>
-              </a:schemeClr>
-            </a:solidFill>
-          </a:ln>
-        </p:spPr>
-        <p:style>
-          <a:lnRef idx="2">
-            <a:schemeClr val="accent1">
-              <a:shade val="50000"/>
-            </a:schemeClr>
-          </a:lnRef>
-          <a:fillRef idx="1">
-            <a:schemeClr val="accent1"/>
-          </a:fillRef>
-          <a:effectRef idx="0">
-            <a:schemeClr val="accent1"/>
-          </a:effectRef>
-          <a:fontRef idx="minor">
-            <a:schemeClr val="lt1"/>
-          </a:fontRef>
-        </p:style>
-        <p:txBody>
-          <a:bodyPr rtlCol="0" anchor="ctr"/>
-          <a:lstStyle/>
-          <a:p>
-            <a:pPr algn="ctr"/>
-            <a:endParaRPr lang="nl-NL"/>
-          </a:p>
-        </p:txBody>
-      </p:sp>
-      <p:sp>
-        <p:nvSpPr>
-          <p:cNvPr id="42" name="Rechthoek 41">
-            <a:extLst>
-              <a:ext uri="{FF2B5EF4-FFF2-40B4-BE49-F238E27FC236}">
-                <a16:creationId xmlns:a16="http://schemas.microsoft.com/office/drawing/2014/main" id="{ABAA19AC-8D92-2973-92CF-BE6290450AD5}"/>
-              </a:ext>
-            </a:extLst>
-          </p:cNvPr>
-          <p:cNvSpPr/>
-          <p:nvPr/>
-        </p:nvSpPr>
-        <p:spPr>
-          <a:xfrm>
-            <a:off x="3006090" y="2863350"/>
-            <a:ext cx="1440000" cy="1080000"/>
-          </a:xfrm>
-          <a:prstGeom prst="rect">
-            <a:avLst/>
-          </a:prstGeom>
-          <a:noFill/>
-          <a:ln>
-            <a:solidFill>
-              <a:schemeClr val="bg2">
-                <a:lumMod val="75000"/>
-              </a:schemeClr>
-            </a:solidFill>
-          </a:ln>
-        </p:spPr>
-        <p:style>
-          <a:lnRef idx="2">
-            <a:schemeClr val="accent1">
-              <a:shade val="50000"/>
-            </a:schemeClr>
-          </a:lnRef>
-          <a:fillRef idx="1">
-            <a:schemeClr val="accent1"/>
-          </a:fillRef>
-          <a:effectRef idx="0">
-            <a:schemeClr val="accent1"/>
-          </a:effectRef>
-          <a:fontRef idx="minor">
-            <a:schemeClr val="lt1"/>
-          </a:fontRef>
-        </p:style>
-        <p:txBody>
-          <a:bodyPr rtlCol="0" anchor="ctr"/>
-          <a:lstStyle/>
-          <a:p>
-            <a:pPr algn="ctr"/>
-            <a:endParaRPr lang="nl-NL"/>
-          </a:p>
-        </p:txBody>
-      </p:sp>
-      <p:sp>
-        <p:nvSpPr>
-          <p:cNvPr id="46" name="Tekstvak 45">
-            <a:extLst>
-              <a:ext uri="{FF2B5EF4-FFF2-40B4-BE49-F238E27FC236}">
-                <a16:creationId xmlns:a16="http://schemas.microsoft.com/office/drawing/2014/main" id="{B6F04009-EE94-FE4F-8B36-8FB15584FC60}"/>
-              </a:ext>
-            </a:extLst>
-          </p:cNvPr>
-          <p:cNvSpPr txBox="1"/>
-          <p:nvPr/>
-        </p:nvSpPr>
-        <p:spPr>
-          <a:xfrm>
-            <a:off x="3211740" y="3080184"/>
-            <a:ext cx="1120140" cy="646331"/>
-          </a:xfrm>
-          <a:prstGeom prst="rect">
-            <a:avLst/>
-          </a:prstGeom>
-          <a:noFill/>
-        </p:spPr>
-        <p:txBody>
-          <a:bodyPr wrap="square" rtlCol="0">
-            <a:spAutoFit/>
-          </a:bodyPr>
-          <a:lstStyle/>
-          <a:p>
-            <a:pPr algn="ctr"/>
-            <a:r>
-              <a:rPr lang="nl-NL" dirty="0">
-                <a:latin typeface="Arial" panose="020B0604020202020204" pitchFamily="34" charset="0"/>
-                <a:cs typeface="Arial" panose="020B0604020202020204" pitchFamily="34" charset="0"/>
-              </a:rPr>
-              <a:t>F2 </a:t>
-            </a:r>
-          </a:p>
-          <a:p>
-            <a:pPr algn="ctr"/>
-            <a:r>
-              <a:rPr lang="nl-NL" dirty="0">
-                <a:latin typeface="Arial" panose="020B0604020202020204" pitchFamily="34" charset="0"/>
-                <a:cs typeface="Arial" panose="020B0604020202020204" pitchFamily="34" charset="0"/>
-              </a:rPr>
-              <a:t>TEST</a:t>
-            </a:r>
-          </a:p>
-        </p:txBody>
-      </p:sp>
-      <p:sp>
-        <p:nvSpPr>
-          <p:cNvPr id="50" name="Tekstvak 49">
-            <a:extLst>
-              <a:ext uri="{FF2B5EF4-FFF2-40B4-BE49-F238E27FC236}">
-                <a16:creationId xmlns:a16="http://schemas.microsoft.com/office/drawing/2014/main" id="{F8EE3D0B-4B14-CEE9-691B-E80E183A17AB}"/>
-              </a:ext>
-            </a:extLst>
-          </p:cNvPr>
-          <p:cNvSpPr txBox="1"/>
-          <p:nvPr/>
-        </p:nvSpPr>
-        <p:spPr>
-          <a:xfrm>
-            <a:off x="5371920" y="1685724"/>
-            <a:ext cx="1120140" cy="646331"/>
-          </a:xfrm>
-          <a:prstGeom prst="rect">
-            <a:avLst/>
-          </a:prstGeom>
-          <a:noFill/>
-        </p:spPr>
-        <p:txBody>
-          <a:bodyPr wrap="square" rtlCol="0">
-            <a:spAutoFit/>
-          </a:bodyPr>
-          <a:lstStyle/>
-          <a:p>
-            <a:pPr algn="ctr"/>
-            <a:r>
-              <a:rPr lang="nl-NL" dirty="0">
-                <a:latin typeface="Arial" panose="020B0604020202020204" pitchFamily="34" charset="0"/>
-                <a:cs typeface="Arial" panose="020B0604020202020204" pitchFamily="34" charset="0"/>
-              </a:rPr>
-              <a:t>F1 </a:t>
-            </a:r>
-          </a:p>
-          <a:p>
-            <a:pPr algn="ctr"/>
-            <a:r>
-              <a:rPr lang="nl-NL" dirty="0">
-                <a:latin typeface="Arial" panose="020B0604020202020204" pitchFamily="34" charset="0"/>
-                <a:cs typeface="Arial" panose="020B0604020202020204" pitchFamily="34" charset="0"/>
-              </a:rPr>
-              <a:t>TRAIN</a:t>
-            </a:r>
-          </a:p>
-        </p:txBody>
-      </p:sp>
-      <p:sp>
-        <p:nvSpPr>
-          <p:cNvPr id="51" name="Rechthoek 50">
-            <a:extLst>
-              <a:ext uri="{FF2B5EF4-FFF2-40B4-BE49-F238E27FC236}">
-                <a16:creationId xmlns:a16="http://schemas.microsoft.com/office/drawing/2014/main" id="{45F6F452-7427-38AC-54F2-CEA01EE09E7A}"/>
-              </a:ext>
-            </a:extLst>
-          </p:cNvPr>
-          <p:cNvSpPr/>
-          <p:nvPr/>
-        </p:nvSpPr>
-        <p:spPr>
-          <a:xfrm>
-            <a:off x="1565910" y="217606"/>
-            <a:ext cx="7200000" cy="1080000"/>
-          </a:xfrm>
-          <a:prstGeom prst="rect">
-            <a:avLst/>
-          </a:prstGeom>
-          <a:noFill/>
-          <a:ln>
-            <a:solidFill>
-              <a:schemeClr val="bg2">
-                <a:lumMod val="75000"/>
-              </a:schemeClr>
-            </a:solidFill>
-          </a:ln>
-        </p:spPr>
-        <p:style>
-          <a:lnRef idx="2">
-            <a:schemeClr val="accent1">
-              <a:shade val="50000"/>
-            </a:schemeClr>
-          </a:lnRef>
-          <a:fillRef idx="1">
-            <a:schemeClr val="accent1"/>
-          </a:fillRef>
-          <a:effectRef idx="0">
-            <a:schemeClr val="accent1"/>
-          </a:effectRef>
-          <a:fontRef idx="minor">
-            <a:schemeClr val="lt1"/>
-          </a:fontRef>
-        </p:style>
-        <p:txBody>
-          <a:bodyPr rtlCol="0" anchor="ctr"/>
-          <a:lstStyle/>
-          <a:p>
-            <a:pPr algn="ctr"/>
-            <a:endParaRPr lang="nl-NL"/>
-          </a:p>
-        </p:txBody>
-      </p:sp>
-      <p:sp>
-        <p:nvSpPr>
-          <p:cNvPr id="52" name="Rechthoek 51">
-            <a:extLst>
-              <a:ext uri="{FF2B5EF4-FFF2-40B4-BE49-F238E27FC236}">
-                <a16:creationId xmlns:a16="http://schemas.microsoft.com/office/drawing/2014/main" id="{E17CAC05-FBC5-434C-B89E-BA3CA3FE3463}"/>
-              </a:ext>
-            </a:extLst>
-          </p:cNvPr>
-          <p:cNvSpPr/>
-          <p:nvPr/>
-        </p:nvSpPr>
-        <p:spPr>
-          <a:xfrm>
-            <a:off x="8765910" y="217606"/>
-            <a:ext cx="1800000" cy="1080000"/>
-          </a:xfrm>
-          <a:prstGeom prst="rect">
-            <a:avLst/>
-          </a:prstGeom>
-          <a:noFill/>
-          <a:ln>
-            <a:solidFill>
-              <a:schemeClr val="bg2">
-                <a:lumMod val="75000"/>
-              </a:schemeClr>
-            </a:solidFill>
-          </a:ln>
-        </p:spPr>
-        <p:style>
-          <a:lnRef idx="2">
-            <a:schemeClr val="accent1">
-              <a:shade val="50000"/>
-            </a:schemeClr>
-          </a:lnRef>
-          <a:fillRef idx="1">
-            <a:schemeClr val="accent1"/>
-          </a:fillRef>
-          <a:effectRef idx="0">
-            <a:schemeClr val="accent1"/>
-          </a:effectRef>
-          <a:fontRef idx="minor">
-            <a:schemeClr val="lt1"/>
-          </a:fontRef>
-        </p:style>
-        <p:txBody>
-          <a:bodyPr rtlCol="0" anchor="ctr"/>
-          <a:lstStyle/>
-          <a:p>
-            <a:pPr algn="ctr"/>
-            <a:endParaRPr lang="nl-NL"/>
-          </a:p>
-        </p:txBody>
-      </p:sp>
-      <p:sp>
-        <p:nvSpPr>
-          <p:cNvPr id="56" name="Tekstvak 55">
-            <a:extLst>
-              <a:ext uri="{FF2B5EF4-FFF2-40B4-BE49-F238E27FC236}">
-                <a16:creationId xmlns:a16="http://schemas.microsoft.com/office/drawing/2014/main" id="{9642B745-F5E2-2DBA-FF81-09EAA29CC73F}"/>
-              </a:ext>
-            </a:extLst>
-          </p:cNvPr>
-          <p:cNvSpPr txBox="1"/>
-          <p:nvPr/>
-        </p:nvSpPr>
-        <p:spPr>
-          <a:xfrm>
-            <a:off x="-359955" y="567430"/>
-            <a:ext cx="2320290" cy="246221"/>
-          </a:xfrm>
-          <a:prstGeom prst="rect">
-            <a:avLst/>
-          </a:prstGeom>
-          <a:noFill/>
-        </p:spPr>
-        <p:txBody>
-          <a:bodyPr wrap="square" rtlCol="0">
-            <a:spAutoFit/>
-          </a:bodyPr>
-          <a:lstStyle/>
-          <a:p>
-            <a:pPr algn="ctr"/>
-            <a:r>
-              <a:rPr lang="nl-NL" sz="1000" dirty="0">
-                <a:latin typeface="Arial" panose="020B0604020202020204" pitchFamily="34" charset="0"/>
-                <a:cs typeface="Arial" panose="020B0604020202020204" pitchFamily="34" charset="0"/>
-              </a:rPr>
-              <a:t>FINAL MODEL</a:t>
-            </a:r>
-          </a:p>
-        </p:txBody>
-      </p:sp>
-      <p:sp>
-        <p:nvSpPr>
-          <p:cNvPr id="58" name="Rechthoek 57">
-            <a:extLst>
-              <a:ext uri="{FF2B5EF4-FFF2-40B4-BE49-F238E27FC236}">
-                <a16:creationId xmlns:a16="http://schemas.microsoft.com/office/drawing/2014/main" id="{513F0F67-85C7-1C44-643D-3A441ACC3991}"/>
-              </a:ext>
-            </a:extLst>
-          </p:cNvPr>
-          <p:cNvSpPr/>
-          <p:nvPr/>
-        </p:nvSpPr>
-        <p:spPr>
-          <a:xfrm>
-            <a:off x="1565910" y="5113255"/>
-            <a:ext cx="7200000" cy="1080000"/>
-          </a:xfrm>
-          <a:prstGeom prst="rect">
-            <a:avLst/>
-          </a:prstGeom>
-          <a:noFill/>
-          <a:ln>
-            <a:solidFill>
-              <a:schemeClr val="bg2">
-                <a:lumMod val="75000"/>
-              </a:schemeClr>
-            </a:solidFill>
-          </a:ln>
-        </p:spPr>
-        <p:style>
-          <a:lnRef idx="2">
-            <a:schemeClr val="accent1">
-              <a:shade val="50000"/>
-            </a:schemeClr>
-          </a:lnRef>
-          <a:fillRef idx="1">
-            <a:schemeClr val="accent1"/>
-          </a:fillRef>
-          <a:effectRef idx="0">
-            <a:schemeClr val="accent1"/>
-          </a:effectRef>
-          <a:fontRef idx="minor">
-            <a:schemeClr val="lt1"/>
-          </a:fontRef>
-        </p:style>
-        <p:txBody>
-          <a:bodyPr rtlCol="0" anchor="ctr"/>
-          <a:lstStyle/>
-          <a:p>
-            <a:pPr algn="ctr"/>
-            <a:endParaRPr lang="nl-NL"/>
-          </a:p>
-        </p:txBody>
-      </p:sp>
-      <p:sp>
-        <p:nvSpPr>
-          <p:cNvPr id="59" name="Rechthoek 58">
-            <a:extLst>
-              <a:ext uri="{FF2B5EF4-FFF2-40B4-BE49-F238E27FC236}">
-                <a16:creationId xmlns:a16="http://schemas.microsoft.com/office/drawing/2014/main" id="{B8681C0C-26F4-CD47-F843-ED181F8344EB}"/>
-              </a:ext>
-            </a:extLst>
-          </p:cNvPr>
-          <p:cNvSpPr/>
-          <p:nvPr/>
-        </p:nvSpPr>
-        <p:spPr>
-          <a:xfrm>
-            <a:off x="1565910" y="5113255"/>
-            <a:ext cx="1440000" cy="1080000"/>
-          </a:xfrm>
-          <a:prstGeom prst="rect">
-            <a:avLst/>
-          </a:prstGeom>
-          <a:noFill/>
-          <a:ln>
-            <a:solidFill>
-              <a:schemeClr val="bg2">
-                <a:lumMod val="75000"/>
-              </a:schemeClr>
-            </a:solidFill>
-          </a:ln>
-        </p:spPr>
-        <p:style>
-          <a:lnRef idx="2">
-            <a:schemeClr val="accent1">
-              <a:shade val="50000"/>
-            </a:schemeClr>
-          </a:lnRef>
-          <a:fillRef idx="1">
-            <a:schemeClr val="accent1"/>
-          </a:fillRef>
-          <a:effectRef idx="0">
-            <a:schemeClr val="accent1"/>
-          </a:effectRef>
-          <a:fontRef idx="minor">
-            <a:schemeClr val="lt1"/>
-          </a:fontRef>
-        </p:style>
-        <p:txBody>
-          <a:bodyPr rtlCol="0" anchor="ctr"/>
-          <a:lstStyle/>
-          <a:p>
-            <a:pPr algn="ctr"/>
-            <a:endParaRPr lang="nl-NL"/>
-          </a:p>
-        </p:txBody>
-      </p:sp>
-      <p:sp>
-        <p:nvSpPr>
-          <p:cNvPr id="60" name="Rechthoek 59">
-            <a:extLst>
-              <a:ext uri="{FF2B5EF4-FFF2-40B4-BE49-F238E27FC236}">
-                <a16:creationId xmlns:a16="http://schemas.microsoft.com/office/drawing/2014/main" id="{FAD04C2E-CD00-758F-09C3-066784D8F955}"/>
-              </a:ext>
-            </a:extLst>
-          </p:cNvPr>
-          <p:cNvSpPr/>
-          <p:nvPr/>
-        </p:nvSpPr>
-        <p:spPr>
-          <a:xfrm>
-            <a:off x="3006090" y="5113255"/>
-            <a:ext cx="1440000" cy="1080000"/>
-          </a:xfrm>
-          <a:prstGeom prst="rect">
-            <a:avLst/>
-          </a:prstGeom>
-          <a:noFill/>
-          <a:ln>
-            <a:solidFill>
-              <a:schemeClr val="bg2">
-                <a:lumMod val="75000"/>
-              </a:schemeClr>
-            </a:solidFill>
-          </a:ln>
-        </p:spPr>
-        <p:style>
-          <a:lnRef idx="2">
-            <a:schemeClr val="accent1">
-              <a:shade val="50000"/>
-            </a:schemeClr>
-          </a:lnRef>
-          <a:fillRef idx="1">
-            <a:schemeClr val="accent1"/>
-          </a:fillRef>
-          <a:effectRef idx="0">
-            <a:schemeClr val="accent1"/>
-          </a:effectRef>
-          <a:fontRef idx="minor">
-            <a:schemeClr val="lt1"/>
-          </a:fontRef>
-        </p:style>
-        <p:txBody>
-          <a:bodyPr rtlCol="0" anchor="ctr"/>
-          <a:lstStyle/>
-          <a:p>
-            <a:pPr algn="ctr"/>
-            <a:endParaRPr lang="nl-NL"/>
-          </a:p>
-        </p:txBody>
-      </p:sp>
-      <p:sp>
-        <p:nvSpPr>
-          <p:cNvPr id="61" name="Rechthoek 60">
-            <a:extLst>
-              <a:ext uri="{FF2B5EF4-FFF2-40B4-BE49-F238E27FC236}">
-                <a16:creationId xmlns:a16="http://schemas.microsoft.com/office/drawing/2014/main" id="{71587C6B-26E7-FEE7-DCEB-7BC3DEA8BB23}"/>
-              </a:ext>
-            </a:extLst>
-          </p:cNvPr>
-          <p:cNvSpPr/>
-          <p:nvPr/>
-        </p:nvSpPr>
-        <p:spPr>
-          <a:xfrm>
-            <a:off x="4446270" y="5113255"/>
-            <a:ext cx="1440000" cy="1080000"/>
-          </a:xfrm>
-          <a:prstGeom prst="rect">
-            <a:avLst/>
-          </a:prstGeom>
-          <a:noFill/>
-          <a:ln>
-            <a:solidFill>
-              <a:schemeClr val="bg2">
-                <a:lumMod val="75000"/>
-              </a:schemeClr>
-            </a:solidFill>
-          </a:ln>
-        </p:spPr>
-        <p:style>
-          <a:lnRef idx="2">
-            <a:schemeClr val="accent1">
-              <a:shade val="50000"/>
-            </a:schemeClr>
-          </a:lnRef>
-          <a:fillRef idx="1">
-            <a:schemeClr val="accent1"/>
-          </a:fillRef>
-          <a:effectRef idx="0">
-            <a:schemeClr val="accent1"/>
-          </a:effectRef>
-          <a:fontRef idx="minor">
-            <a:schemeClr val="lt1"/>
-          </a:fontRef>
-        </p:style>
-        <p:txBody>
-          <a:bodyPr rtlCol="0" anchor="ctr"/>
-          <a:lstStyle/>
-          <a:p>
-            <a:pPr algn="ctr"/>
-            <a:endParaRPr lang="nl-NL"/>
-          </a:p>
-        </p:txBody>
-      </p:sp>
-      <p:sp>
-        <p:nvSpPr>
-          <p:cNvPr id="62" name="Rechthoek 61">
-            <a:extLst>
-              <a:ext uri="{FF2B5EF4-FFF2-40B4-BE49-F238E27FC236}">
-                <a16:creationId xmlns:a16="http://schemas.microsoft.com/office/drawing/2014/main" id="{0D120547-0683-3D56-EEB2-4AB8B987F9F2}"/>
-              </a:ext>
-            </a:extLst>
-          </p:cNvPr>
-          <p:cNvSpPr/>
-          <p:nvPr/>
-        </p:nvSpPr>
-        <p:spPr>
-          <a:xfrm>
-            <a:off x="5886450" y="5113255"/>
-            <a:ext cx="1440000" cy="1080000"/>
-          </a:xfrm>
-          <a:prstGeom prst="rect">
-            <a:avLst/>
-          </a:prstGeom>
-          <a:noFill/>
-          <a:ln>
-            <a:solidFill>
-              <a:schemeClr val="bg2">
-                <a:lumMod val="75000"/>
-              </a:schemeClr>
-            </a:solidFill>
-          </a:ln>
-        </p:spPr>
-        <p:style>
-          <a:lnRef idx="2">
-            <a:schemeClr val="accent1">
-              <a:shade val="50000"/>
-            </a:schemeClr>
-          </a:lnRef>
-          <a:fillRef idx="1">
-            <a:schemeClr val="accent1"/>
-          </a:fillRef>
-          <a:effectRef idx="0">
-            <a:schemeClr val="accent1"/>
-          </a:effectRef>
-          <a:fontRef idx="minor">
-            <a:schemeClr val="lt1"/>
-          </a:fontRef>
-        </p:style>
-        <p:txBody>
-          <a:bodyPr rtlCol="0" anchor="ctr"/>
-          <a:lstStyle/>
-          <a:p>
-            <a:pPr algn="ctr"/>
-            <a:endParaRPr lang="nl-NL"/>
-          </a:p>
-        </p:txBody>
-      </p:sp>
-      <p:sp>
-        <p:nvSpPr>
-          <p:cNvPr id="63" name="Tekstvak 62">
-            <a:extLst>
-              <a:ext uri="{FF2B5EF4-FFF2-40B4-BE49-F238E27FC236}">
-                <a16:creationId xmlns:a16="http://schemas.microsoft.com/office/drawing/2014/main" id="{28A90F44-3175-20D7-A0E1-ABEDA1E056F5}"/>
-              </a:ext>
-            </a:extLst>
-          </p:cNvPr>
-          <p:cNvSpPr txBox="1"/>
-          <p:nvPr/>
-        </p:nvSpPr>
-        <p:spPr>
-          <a:xfrm>
-            <a:off x="1725840" y="5330089"/>
-            <a:ext cx="1120140" cy="646331"/>
-          </a:xfrm>
-          <a:prstGeom prst="rect">
-            <a:avLst/>
-          </a:prstGeom>
-          <a:noFill/>
-        </p:spPr>
-        <p:txBody>
-          <a:bodyPr wrap="square" rtlCol="0">
-            <a:spAutoFit/>
-          </a:bodyPr>
-          <a:lstStyle/>
-          <a:p>
-            <a:pPr algn="ctr"/>
-            <a:r>
-              <a:rPr lang="nl-NL" dirty="0">
-                <a:latin typeface="Arial" panose="020B0604020202020204" pitchFamily="34" charset="0"/>
-                <a:cs typeface="Arial" panose="020B0604020202020204" pitchFamily="34" charset="0"/>
-              </a:rPr>
-              <a:t>F1 </a:t>
-            </a:r>
-          </a:p>
-          <a:p>
-            <a:pPr algn="ctr"/>
-            <a:r>
-              <a:rPr lang="nl-NL" dirty="0">
-                <a:latin typeface="Arial" panose="020B0604020202020204" pitchFamily="34" charset="0"/>
-                <a:cs typeface="Arial" panose="020B0604020202020204" pitchFamily="34" charset="0"/>
-              </a:rPr>
-              <a:t>TEST</a:t>
-            </a:r>
-          </a:p>
-        </p:txBody>
-      </p:sp>
-      <p:sp>
-        <p:nvSpPr>
-          <p:cNvPr id="64" name="Tekstvak 63">
-            <a:extLst>
-              <a:ext uri="{FF2B5EF4-FFF2-40B4-BE49-F238E27FC236}">
-                <a16:creationId xmlns:a16="http://schemas.microsoft.com/office/drawing/2014/main" id="{165C45FE-0537-E744-AB46-8551D92AB87D}"/>
-              </a:ext>
-            </a:extLst>
-          </p:cNvPr>
-          <p:cNvSpPr txBox="1"/>
-          <p:nvPr/>
-        </p:nvSpPr>
-        <p:spPr>
-          <a:xfrm>
-            <a:off x="3211740" y="5330089"/>
-            <a:ext cx="1120140" cy="646331"/>
-          </a:xfrm>
-          <a:prstGeom prst="rect">
-            <a:avLst/>
-          </a:prstGeom>
-          <a:noFill/>
-        </p:spPr>
-        <p:txBody>
-          <a:bodyPr wrap="square" rtlCol="0">
-            <a:spAutoFit/>
-          </a:bodyPr>
-          <a:lstStyle/>
-          <a:p>
-            <a:pPr algn="ctr"/>
-            <a:r>
-              <a:rPr lang="nl-NL" dirty="0">
-                <a:latin typeface="Arial" panose="020B0604020202020204" pitchFamily="34" charset="0"/>
-                <a:cs typeface="Arial" panose="020B0604020202020204" pitchFamily="34" charset="0"/>
-              </a:rPr>
-              <a:t>F2 </a:t>
-            </a:r>
-          </a:p>
-          <a:p>
-            <a:pPr algn="ctr"/>
-            <a:r>
-              <a:rPr lang="nl-NL" dirty="0">
-                <a:latin typeface="Arial" panose="020B0604020202020204" pitchFamily="34" charset="0"/>
-                <a:cs typeface="Arial" panose="020B0604020202020204" pitchFamily="34" charset="0"/>
-              </a:rPr>
-              <a:t>TEST</a:t>
-            </a:r>
-          </a:p>
-        </p:txBody>
-      </p:sp>
-      <p:sp>
-        <p:nvSpPr>
-          <p:cNvPr id="65" name="Tekstvak 64">
-            <a:extLst>
-              <a:ext uri="{FF2B5EF4-FFF2-40B4-BE49-F238E27FC236}">
-                <a16:creationId xmlns:a16="http://schemas.microsoft.com/office/drawing/2014/main" id="{2C176C4B-EC9F-0557-774B-6C331961CC52}"/>
-              </a:ext>
-            </a:extLst>
-          </p:cNvPr>
-          <p:cNvSpPr txBox="1"/>
-          <p:nvPr/>
-        </p:nvSpPr>
-        <p:spPr>
-          <a:xfrm>
-            <a:off x="4640490" y="5330089"/>
-            <a:ext cx="1120140" cy="646331"/>
-          </a:xfrm>
-          <a:prstGeom prst="rect">
-            <a:avLst/>
-          </a:prstGeom>
-          <a:noFill/>
-        </p:spPr>
-        <p:txBody>
-          <a:bodyPr wrap="square" rtlCol="0">
-            <a:spAutoFit/>
-          </a:bodyPr>
-          <a:lstStyle/>
-          <a:p>
-            <a:pPr algn="ctr"/>
-            <a:r>
-              <a:rPr lang="nl-NL" dirty="0">
-                <a:latin typeface="Arial" panose="020B0604020202020204" pitchFamily="34" charset="0"/>
-                <a:cs typeface="Arial" panose="020B0604020202020204" pitchFamily="34" charset="0"/>
-              </a:rPr>
-              <a:t>F3</a:t>
-            </a:r>
-          </a:p>
-          <a:p>
-            <a:pPr algn="ctr"/>
-            <a:r>
-              <a:rPr lang="nl-NL" dirty="0">
-                <a:latin typeface="Arial" panose="020B0604020202020204" pitchFamily="34" charset="0"/>
-                <a:cs typeface="Arial" panose="020B0604020202020204" pitchFamily="34" charset="0"/>
-              </a:rPr>
-              <a:t>TEST</a:t>
-            </a:r>
-          </a:p>
-        </p:txBody>
-      </p:sp>
-      <p:sp>
-        <p:nvSpPr>
-          <p:cNvPr id="66" name="Tekstvak 65">
-            <a:extLst>
-              <a:ext uri="{FF2B5EF4-FFF2-40B4-BE49-F238E27FC236}">
-                <a16:creationId xmlns:a16="http://schemas.microsoft.com/office/drawing/2014/main" id="{31867E43-5AA4-36D7-F61E-4EAF3C649E4B}"/>
-              </a:ext>
-            </a:extLst>
-          </p:cNvPr>
-          <p:cNvSpPr txBox="1"/>
-          <p:nvPr/>
-        </p:nvSpPr>
-        <p:spPr>
-          <a:xfrm>
-            <a:off x="6000660" y="5330089"/>
-            <a:ext cx="1120140" cy="646331"/>
-          </a:xfrm>
-          <a:prstGeom prst="rect">
-            <a:avLst/>
-          </a:prstGeom>
-          <a:noFill/>
-        </p:spPr>
-        <p:txBody>
-          <a:bodyPr wrap="square" rtlCol="0">
-            <a:spAutoFit/>
-          </a:bodyPr>
-          <a:lstStyle/>
-          <a:p>
-            <a:pPr algn="ctr"/>
-            <a:r>
-              <a:rPr lang="nl-NL" dirty="0">
-                <a:latin typeface="Arial" panose="020B0604020202020204" pitchFamily="34" charset="0"/>
-                <a:cs typeface="Arial" panose="020B0604020202020204" pitchFamily="34" charset="0"/>
-              </a:rPr>
-              <a:t>F4</a:t>
-            </a:r>
-          </a:p>
-          <a:p>
-            <a:pPr algn="ctr"/>
-            <a:r>
-              <a:rPr lang="nl-NL" dirty="0">
-                <a:latin typeface="Arial" panose="020B0604020202020204" pitchFamily="34" charset="0"/>
-                <a:cs typeface="Arial" panose="020B0604020202020204" pitchFamily="34" charset="0"/>
-              </a:rPr>
-              <a:t>TEST</a:t>
-            </a:r>
-          </a:p>
-        </p:txBody>
-      </p:sp>
-      <p:sp>
-        <p:nvSpPr>
-          <p:cNvPr id="67" name="Tekstvak 66">
-            <a:extLst>
-              <a:ext uri="{FF2B5EF4-FFF2-40B4-BE49-F238E27FC236}">
-                <a16:creationId xmlns:a16="http://schemas.microsoft.com/office/drawing/2014/main" id="{965DD753-FA39-CE37-3177-9CEAFD826307}"/>
-              </a:ext>
-            </a:extLst>
-          </p:cNvPr>
-          <p:cNvSpPr txBox="1"/>
-          <p:nvPr/>
-        </p:nvSpPr>
-        <p:spPr>
-          <a:xfrm>
-            <a:off x="7486560" y="5330089"/>
-            <a:ext cx="1120140" cy="646331"/>
-          </a:xfrm>
-          <a:prstGeom prst="rect">
-            <a:avLst/>
-          </a:prstGeom>
-          <a:noFill/>
-        </p:spPr>
-        <p:txBody>
-          <a:bodyPr wrap="square" rtlCol="0">
-            <a:spAutoFit/>
-          </a:bodyPr>
-          <a:lstStyle/>
-          <a:p>
-            <a:pPr algn="ctr"/>
-            <a:r>
-              <a:rPr lang="nl-NL" dirty="0">
-                <a:latin typeface="Arial" panose="020B0604020202020204" pitchFamily="34" charset="0"/>
-                <a:cs typeface="Arial" panose="020B0604020202020204" pitchFamily="34" charset="0"/>
-              </a:rPr>
-              <a:t>F5 </a:t>
-            </a:r>
-          </a:p>
-          <a:p>
-            <a:pPr algn="ctr"/>
-            <a:r>
-              <a:rPr lang="nl-NL" dirty="0">
-                <a:latin typeface="Arial" panose="020B0604020202020204" pitchFamily="34" charset="0"/>
-                <a:cs typeface="Arial" panose="020B0604020202020204" pitchFamily="34" charset="0"/>
-              </a:rPr>
-              <a:t>TEST</a:t>
-            </a:r>
-          </a:p>
-        </p:txBody>
-      </p:sp>
-      <p:sp>
-        <p:nvSpPr>
-          <p:cNvPr id="68" name="Tekstvak 67">
-            <a:extLst>
-              <a:ext uri="{FF2B5EF4-FFF2-40B4-BE49-F238E27FC236}">
-                <a16:creationId xmlns:a16="http://schemas.microsoft.com/office/drawing/2014/main" id="{C16E17B9-E43E-21CD-E4D4-19A6FB657D06}"/>
-              </a:ext>
-            </a:extLst>
-          </p:cNvPr>
-          <p:cNvSpPr txBox="1"/>
-          <p:nvPr/>
-        </p:nvSpPr>
-        <p:spPr>
-          <a:xfrm>
-            <a:off x="6096000" y="3072464"/>
-            <a:ext cx="1120140" cy="646331"/>
-          </a:xfrm>
-          <a:prstGeom prst="rect">
-            <a:avLst/>
-          </a:prstGeom>
-          <a:noFill/>
-        </p:spPr>
-        <p:txBody>
-          <a:bodyPr wrap="square" rtlCol="0">
-            <a:spAutoFit/>
-          </a:bodyPr>
-          <a:lstStyle/>
-          <a:p>
-            <a:pPr algn="ctr"/>
-            <a:r>
-              <a:rPr lang="nl-NL" dirty="0">
-                <a:latin typeface="Arial" panose="020B0604020202020204" pitchFamily="34" charset="0"/>
-                <a:cs typeface="Arial" panose="020B0604020202020204" pitchFamily="34" charset="0"/>
-              </a:rPr>
-              <a:t>F2</a:t>
-            </a:r>
-          </a:p>
-          <a:p>
-            <a:pPr algn="ctr"/>
-            <a:r>
-              <a:rPr lang="nl-NL" dirty="0">
-                <a:latin typeface="Arial" panose="020B0604020202020204" pitchFamily="34" charset="0"/>
-                <a:cs typeface="Arial" panose="020B0604020202020204" pitchFamily="34" charset="0"/>
-              </a:rPr>
-              <a:t>TRAIN</a:t>
-            </a:r>
-          </a:p>
-        </p:txBody>
-      </p:sp>
-      <p:sp>
-        <p:nvSpPr>
-          <p:cNvPr id="69" name="Tekstvak 68">
-            <a:extLst>
-              <a:ext uri="{FF2B5EF4-FFF2-40B4-BE49-F238E27FC236}">
-                <a16:creationId xmlns:a16="http://schemas.microsoft.com/office/drawing/2014/main" id="{C389A44F-A825-0B40-1F0D-BE577DD7D0E5}"/>
-              </a:ext>
-            </a:extLst>
-          </p:cNvPr>
-          <p:cNvSpPr txBox="1"/>
-          <p:nvPr/>
-        </p:nvSpPr>
-        <p:spPr>
-          <a:xfrm>
-            <a:off x="1776663" y="3036370"/>
-            <a:ext cx="1120140" cy="646331"/>
-          </a:xfrm>
-          <a:prstGeom prst="rect">
-            <a:avLst/>
-          </a:prstGeom>
-          <a:noFill/>
-        </p:spPr>
-        <p:txBody>
-          <a:bodyPr wrap="square" rtlCol="0">
-            <a:spAutoFit/>
-          </a:bodyPr>
-          <a:lstStyle/>
-          <a:p>
-            <a:pPr algn="ctr"/>
-            <a:r>
-              <a:rPr lang="nl-NL" dirty="0">
-                <a:latin typeface="Arial" panose="020B0604020202020204" pitchFamily="34" charset="0"/>
-                <a:cs typeface="Arial" panose="020B0604020202020204" pitchFamily="34" charset="0"/>
-              </a:rPr>
-              <a:t>F2</a:t>
-            </a:r>
-          </a:p>
-          <a:p>
-            <a:pPr algn="ctr"/>
-            <a:r>
-              <a:rPr lang="nl-NL" dirty="0">
-                <a:latin typeface="Arial" panose="020B0604020202020204" pitchFamily="34" charset="0"/>
-                <a:cs typeface="Arial" panose="020B0604020202020204" pitchFamily="34" charset="0"/>
-              </a:rPr>
-              <a:t>TRAIN</a:t>
-            </a:r>
-          </a:p>
-        </p:txBody>
-      </p:sp>
-    </p:spTree>
-    <p:extLst>
-      <p:ext uri="{BB962C8B-B14F-4D97-AF65-F5344CB8AC3E}">
-        <p14:creationId xmlns:p14="http://schemas.microsoft.com/office/powerpoint/2010/main" val="962575505"/>
-      </p:ext>
-    </p:extLst>
-  </p:cSld>
-  <p:clrMapOvr>
-    <a:masterClrMapping/>
-  </p:clrMapOvr>
-</p:sld>
-</file>
-
-<file path=ppt/slides/slide3.xml><?xml version="1.0" encoding="utf-8"?>
 <p:sld xmlns:a="http://schemas.openxmlformats.org/drawingml/2006/main" xmlns:r="http://schemas.openxmlformats.org/officeDocument/2006/relationships" xmlns:p="http://schemas.openxmlformats.org/presentationml/2006/main">
   <p:cSld>
     <p:spTree>
